--- a/img/modelo do projeto.pptx
+++ b/img/modelo do projeto.pptx
@@ -6,7 +6,7 @@
   </p:sldMasterIdLst>
   <p:sldIdLst>
     <p:sldId id="256" r:id="rId2"/>
-    <p:sldId id="257" r:id="rId3"/>
+    <p:sldId id="258" r:id="rId3"/>
   </p:sldIdLst>
   <p:sldSz cx="12192000" cy="6858000"/>
   <p:notesSz cx="6858000" cy="9144000"/>
@@ -3357,11 +3357,12 @@
           </a:ln>
           <a:effectLst/>
           <a:scene3d>
-            <a:camera prst="orthographicFront"/>
+            <a:camera prst="obliqueBottomRight"/>
             <a:lightRig rig="threePt" dir="t"/>
           </a:scene3d>
           <a:sp3d>
-            <a:bevelT w="152400" h="50800" prst="softRound"/>
+            <a:bevelT h="57150"/>
+            <a:bevelB h="57150"/>
           </a:sp3d>
         </p:spPr>
         <p:style>
@@ -4195,12 +4196,15 @@
             <a:ln w="28575">
               <a:noFill/>
             </a:ln>
+            <a:effectLst>
+              <a:reflection endPos="0" dist="12700" dir="5400000" sy="-100000" algn="bl" rotWithShape="0"/>
+            </a:effectLst>
             <a:scene3d>
               <a:camera prst="orthographicFront"/>
               <a:lightRig rig="threePt" dir="t"/>
             </a:scene3d>
             <a:sp3d>
-              <a:bevelT prst="relaxedInset"/>
+              <a:bevelT w="114300" prst="hardEdge"/>
             </a:sp3d>
           </p:spPr>
           <p:style>
@@ -4354,83 +4358,242 @@
           </a:p>
         </p:txBody>
       </p:sp>
-      <p:sp>
-        <p:nvSpPr>
-          <p:cNvPr id="2" name="Elipse 1">
-            <a:extLst>
-              <a:ext uri="{FF2B5EF4-FFF2-40B4-BE49-F238E27FC236}">
-                <a16:creationId xmlns:a16="http://schemas.microsoft.com/office/drawing/2014/main" id="{BC75C271-74B0-F07C-FA70-130B3E925DD0}"/>
-              </a:ext>
-            </a:extLst>
-          </p:cNvPr>
-          <p:cNvSpPr/>
+      <p:grpSp>
+        <p:nvGrpSpPr>
+          <p:cNvPr id="26" name="Agrupar 25">
+            <a:extLst>
+              <a:ext uri="{FF2B5EF4-FFF2-40B4-BE49-F238E27FC236}">
+                <a16:creationId xmlns:a16="http://schemas.microsoft.com/office/drawing/2014/main" id="{81C8DAF4-DF03-CF7D-5E8C-3BF6937C6562}"/>
+              </a:ext>
+            </a:extLst>
+          </p:cNvPr>
+          <p:cNvGrpSpPr/>
           <p:nvPr/>
-        </p:nvSpPr>
-        <p:spPr>
+        </p:nvGrpSpPr>
+        <p:grpSpPr>
           <a:xfrm>
-            <a:off x="3855563" y="2168165"/>
-            <a:ext cx="367645" cy="367645"/>
+            <a:off x="3708410" y="2142109"/>
+            <a:ext cx="1311646" cy="232654"/>
+            <a:chOff x="3708410" y="2142109"/>
+            <a:chExt cx="1311646" cy="232654"/>
           </a:xfrm>
-          <a:prstGeom prst="ellipse">
-            <a:avLst/>
-          </a:prstGeom>
-          <a:solidFill>
-            <a:srgbClr val="FFFF00"/>
-          </a:solidFill>
-          <a:ln>
-            <a:noFill/>
-          </a:ln>
-          <a:effectLst>
-            <a:glow rad="228600">
-              <a:schemeClr val="accent4">
-                <a:satMod val="175000"/>
-                <a:alpha val="40000"/>
+        </p:grpSpPr>
+        <p:sp>
+          <p:nvSpPr>
+            <p:cNvPr id="18" name="Elipse 17">
+              <a:extLst>
+                <a:ext uri="{FF2B5EF4-FFF2-40B4-BE49-F238E27FC236}">
+                  <a16:creationId xmlns:a16="http://schemas.microsoft.com/office/drawing/2014/main" id="{5795F52E-9C98-ADC1-B8F4-17E3358E048A}"/>
+                </a:ext>
+              </a:extLst>
+            </p:cNvPr>
+            <p:cNvSpPr/>
+            <p:nvPr/>
+          </p:nvSpPr>
+          <p:spPr>
+            <a:xfrm>
+              <a:off x="4247906" y="2142109"/>
+              <a:ext cx="232654" cy="232654"/>
+            </a:xfrm>
+            <a:prstGeom prst="ellipse">
+              <a:avLst/>
+            </a:prstGeom>
+            <a:solidFill>
+              <a:srgbClr val="92D050"/>
+            </a:solidFill>
+            <a:ln w="28575">
+              <a:noFill/>
+            </a:ln>
+            <a:effectLst>
+              <a:glow rad="228600">
+                <a:schemeClr val="accent6">
+                  <a:satMod val="175000"/>
+                  <a:alpha val="40000"/>
+                </a:schemeClr>
+              </a:glow>
+              <a:outerShdw blurRad="50800" dist="38100" algn="l" rotWithShape="0">
+                <a:prstClr val="black">
+                  <a:alpha val="40000"/>
+                </a:prstClr>
+              </a:outerShdw>
+            </a:effectLst>
+            <a:scene3d>
+              <a:camera prst="obliqueBottomRight"/>
+              <a:lightRig rig="threePt" dir="t"/>
+            </a:scene3d>
+            <a:sp3d>
+              <a:bevelT/>
+            </a:sp3d>
+          </p:spPr>
+          <p:style>
+            <a:lnRef idx="2">
+              <a:schemeClr val="accent1">
+                <a:shade val="15000"/>
               </a:schemeClr>
-            </a:glow>
-            <a:outerShdw blurRad="50800" dist="38100" algn="l" rotWithShape="0">
-              <a:prstClr val="black">
-                <a:alpha val="40000"/>
-              </a:prstClr>
-            </a:outerShdw>
-          </a:effectLst>
-          <a:scene3d>
-            <a:camera prst="obliqueBottomRight"/>
-            <a:lightRig rig="threePt" dir="t"/>
-          </a:scene3d>
-          <a:sp3d prstMaterial="dkEdge">
-            <a:bevelT/>
-            <a:bevelB prst="angle"/>
-          </a:sp3d>
-        </p:spPr>
-        <p:style>
-          <a:lnRef idx="2">
-            <a:schemeClr val="accent1">
-              <a:shade val="15000"/>
-            </a:schemeClr>
-          </a:lnRef>
-          <a:fillRef idx="1">
-            <a:schemeClr val="accent1"/>
-          </a:fillRef>
-          <a:effectRef idx="0">
-            <a:schemeClr val="accent1"/>
-          </a:effectRef>
-          <a:fontRef idx="minor">
-            <a:schemeClr val="lt1"/>
-          </a:fontRef>
-        </p:style>
-        <p:txBody>
-          <a:bodyPr rtlCol="0" anchor="ctr"/>
-          <a:lstStyle/>
-          <a:p>
-            <a:pPr algn="ctr"/>
-            <a:endParaRPr lang="pt-BR">
-              <a:solidFill>
-                <a:srgbClr val="FFFF00"/>
-              </a:solidFill>
-            </a:endParaRPr>
-          </a:p>
-        </p:txBody>
-      </p:sp>
+            </a:lnRef>
+            <a:fillRef idx="1">
+              <a:schemeClr val="accent1"/>
+            </a:fillRef>
+            <a:effectRef idx="0">
+              <a:schemeClr val="accent1"/>
+            </a:effectRef>
+            <a:fontRef idx="minor">
+              <a:schemeClr val="lt1"/>
+            </a:fontRef>
+          </p:style>
+          <p:txBody>
+            <a:bodyPr rtlCol="0" anchor="ctr"/>
+            <a:lstStyle/>
+            <a:p>
+              <a:pPr algn="ctr"/>
+              <a:endParaRPr lang="pt-BR" dirty="0"/>
+            </a:p>
+          </p:txBody>
+        </p:sp>
+        <p:sp>
+          <p:nvSpPr>
+            <p:cNvPr id="20" name="Elipse 19">
+              <a:extLst>
+                <a:ext uri="{FF2B5EF4-FFF2-40B4-BE49-F238E27FC236}">
+                  <a16:creationId xmlns:a16="http://schemas.microsoft.com/office/drawing/2014/main" id="{3A89417E-8121-444B-8837-DFEF51D3E46A}"/>
+                </a:ext>
+              </a:extLst>
+            </p:cNvPr>
+            <p:cNvSpPr/>
+            <p:nvPr/>
+          </p:nvSpPr>
+          <p:spPr>
+            <a:xfrm>
+              <a:off x="3708410" y="2142109"/>
+              <a:ext cx="232654" cy="232654"/>
+            </a:xfrm>
+            <a:prstGeom prst="ellipse">
+              <a:avLst/>
+            </a:prstGeom>
+            <a:solidFill>
+              <a:srgbClr val="FFFF00"/>
+            </a:solidFill>
+            <a:ln w="28575">
+              <a:noFill/>
+            </a:ln>
+            <a:effectLst>
+              <a:glow rad="228600">
+                <a:schemeClr val="accent4">
+                  <a:satMod val="175000"/>
+                  <a:alpha val="40000"/>
+                </a:schemeClr>
+              </a:glow>
+              <a:outerShdw blurRad="50800" dist="38100" algn="l" rotWithShape="0">
+                <a:prstClr val="black">
+                  <a:alpha val="40000"/>
+                </a:prstClr>
+              </a:outerShdw>
+            </a:effectLst>
+            <a:scene3d>
+              <a:camera prst="obliqueBottomRight"/>
+              <a:lightRig rig="threePt" dir="t"/>
+            </a:scene3d>
+            <a:sp3d>
+              <a:bevelT/>
+            </a:sp3d>
+          </p:spPr>
+          <p:style>
+            <a:lnRef idx="2">
+              <a:schemeClr val="accent1">
+                <a:shade val="15000"/>
+              </a:schemeClr>
+            </a:lnRef>
+            <a:fillRef idx="1">
+              <a:schemeClr val="accent1"/>
+            </a:fillRef>
+            <a:effectRef idx="0">
+              <a:schemeClr val="accent1"/>
+            </a:effectRef>
+            <a:fontRef idx="minor">
+              <a:schemeClr val="lt1"/>
+            </a:fontRef>
+          </p:style>
+          <p:txBody>
+            <a:bodyPr rtlCol="0" anchor="ctr"/>
+            <a:lstStyle/>
+            <a:p>
+              <a:pPr algn="ctr"/>
+              <a:endParaRPr lang="pt-BR" dirty="0"/>
+            </a:p>
+          </p:txBody>
+        </p:sp>
+        <p:sp>
+          <p:nvSpPr>
+            <p:cNvPr id="19" name="Elipse 18">
+              <a:extLst>
+                <a:ext uri="{FF2B5EF4-FFF2-40B4-BE49-F238E27FC236}">
+                  <a16:creationId xmlns:a16="http://schemas.microsoft.com/office/drawing/2014/main" id="{F34327AA-A256-5EC2-0D03-C510960D693B}"/>
+                </a:ext>
+              </a:extLst>
+            </p:cNvPr>
+            <p:cNvSpPr/>
+            <p:nvPr/>
+          </p:nvSpPr>
+          <p:spPr>
+            <a:xfrm>
+              <a:off x="4787402" y="2142109"/>
+              <a:ext cx="232654" cy="232654"/>
+            </a:xfrm>
+            <a:prstGeom prst="ellipse">
+              <a:avLst/>
+            </a:prstGeom>
+            <a:solidFill>
+              <a:srgbClr val="FF0000"/>
+            </a:solidFill>
+            <a:ln w="28575">
+              <a:noFill/>
+            </a:ln>
+            <a:effectLst>
+              <a:glow rad="228600">
+                <a:srgbClr val="FF0000">
+                  <a:alpha val="40000"/>
+                </a:srgbClr>
+              </a:glow>
+              <a:outerShdw blurRad="50800" dist="38100" algn="l" rotWithShape="0">
+                <a:prstClr val="black">
+                  <a:alpha val="40000"/>
+                </a:prstClr>
+              </a:outerShdw>
+            </a:effectLst>
+            <a:scene3d>
+              <a:camera prst="obliqueBottomRight"/>
+              <a:lightRig rig="threePt" dir="t"/>
+            </a:scene3d>
+            <a:sp3d>
+              <a:bevelT/>
+            </a:sp3d>
+          </p:spPr>
+          <p:style>
+            <a:lnRef idx="2">
+              <a:schemeClr val="accent1">
+                <a:shade val="15000"/>
+              </a:schemeClr>
+            </a:lnRef>
+            <a:fillRef idx="1">
+              <a:schemeClr val="accent1"/>
+            </a:fillRef>
+            <a:effectRef idx="0">
+              <a:schemeClr val="accent1"/>
+            </a:effectRef>
+            <a:fontRef idx="minor">
+              <a:schemeClr val="lt1"/>
+            </a:fontRef>
+          </p:style>
+          <p:txBody>
+            <a:bodyPr rtlCol="0" anchor="ctr"/>
+            <a:lstStyle/>
+            <a:p>
+              <a:pPr algn="ctr"/>
+              <a:endParaRPr lang="pt-BR" dirty="0"/>
+            </a:p>
+          </p:txBody>
+        </p:sp>
+      </p:grpSp>
     </p:spTree>
     <p:extLst>
       <p:ext uri="{BB962C8B-B14F-4D97-AF65-F5344CB8AC3E}">
@@ -4492,6 +4655,13 @@
             </a:solidFill>
           </a:ln>
           <a:effectLst/>
+          <a:scene3d>
+            <a:camera prst="obliqueBottomRight"/>
+            <a:lightRig rig="threePt" dir="t"/>
+          </a:scene3d>
+          <a:sp3d>
+            <a:bevelB h="57150"/>
+          </a:sp3d>
         </p:spPr>
         <p:style>
           <a:lnRef idx="2">
@@ -4520,10 +4690,10 @@
       </p:sp>
       <p:grpSp>
         <p:nvGrpSpPr>
-          <p:cNvPr id="20" name="Agrupar 19">
-            <a:extLst>
-              <a:ext uri="{FF2B5EF4-FFF2-40B4-BE49-F238E27FC236}">
-                <a16:creationId xmlns:a16="http://schemas.microsoft.com/office/drawing/2014/main" id="{DD24FB67-EFD4-CE22-2136-4CEA74F1C56A}"/>
+          <p:cNvPr id="3" name="Agrupar 2">
+            <a:extLst>
+              <a:ext uri="{FF2B5EF4-FFF2-40B4-BE49-F238E27FC236}">
+                <a16:creationId xmlns:a16="http://schemas.microsoft.com/office/drawing/2014/main" id="{09D0C557-DF76-2412-8A3D-936D65FD9474}"/>
               </a:ext>
             </a:extLst>
           </p:cNvPr>
@@ -4534,16 +4704,9 @@
           <a:xfrm>
             <a:off x="3828279" y="3839065"/>
             <a:ext cx="3234544" cy="292231"/>
-            <a:chOff x="4007388" y="4055882"/>
+            <a:chOff x="3828279" y="3839065"/>
             <a:chExt cx="3234544" cy="292231"/>
           </a:xfrm>
-          <a:effectLst>
-            <a:outerShdw blurRad="50800" dist="38100" algn="l" rotWithShape="0">
-              <a:prstClr val="black">
-                <a:alpha val="40000"/>
-              </a:prstClr>
-            </a:outerShdw>
-          </a:effectLst>
         </p:grpSpPr>
         <p:sp>
           <p:nvSpPr>
@@ -4559,7 +4722,7 @@
           </p:nvSpPr>
           <p:spPr>
             <a:xfrm>
-              <a:off x="4007388" y="4055882"/>
+              <a:off x="3828279" y="3839065"/>
               <a:ext cx="292195" cy="292231"/>
             </a:xfrm>
             <a:prstGeom prst="ellipse">
@@ -4573,6 +4736,11 @@
                 <a:schemeClr val="tx1"/>
               </a:solidFill>
             </a:ln>
+            <a:scene3d>
+              <a:camera prst="obliqueBottomRight"/>
+              <a:lightRig rig="threePt" dir="t"/>
+            </a:scene3d>
+            <a:sp3d/>
           </p:spPr>
           <p:style>
             <a:lnRef idx="2">
@@ -4613,7 +4781,7 @@
           </p:nvSpPr>
           <p:spPr>
             <a:xfrm>
-              <a:off x="4497780" y="4055882"/>
+              <a:off x="4318671" y="3839065"/>
               <a:ext cx="292195" cy="292231"/>
             </a:xfrm>
             <a:prstGeom prst="ellipse">
@@ -4627,6 +4795,11 @@
                 <a:schemeClr val="tx1"/>
               </a:solidFill>
             </a:ln>
+            <a:scene3d>
+              <a:camera prst="obliqueBottomRight"/>
+              <a:lightRig rig="threePt" dir="t"/>
+            </a:scene3d>
+            <a:sp3d/>
           </p:spPr>
           <p:style>
             <a:lnRef idx="2">
@@ -4667,7 +4840,7 @@
           </p:nvSpPr>
           <p:spPr>
             <a:xfrm>
-              <a:off x="4988172" y="4055882"/>
+              <a:off x="4809063" y="3839065"/>
               <a:ext cx="292195" cy="292231"/>
             </a:xfrm>
             <a:prstGeom prst="ellipse">
@@ -4681,6 +4854,11 @@
                 <a:schemeClr val="tx1"/>
               </a:solidFill>
             </a:ln>
+            <a:scene3d>
+              <a:camera prst="obliqueBottomRight"/>
+              <a:lightRig rig="threePt" dir="t"/>
+            </a:scene3d>
+            <a:sp3d/>
           </p:spPr>
           <p:style>
             <a:lnRef idx="2">
@@ -4721,7 +4899,7 @@
           </p:nvSpPr>
           <p:spPr>
             <a:xfrm>
-              <a:off x="5478564" y="4055882"/>
+              <a:off x="5299455" y="3839065"/>
               <a:ext cx="292195" cy="292231"/>
             </a:xfrm>
             <a:prstGeom prst="ellipse">
@@ -4735,6 +4913,11 @@
                 <a:schemeClr val="tx1"/>
               </a:solidFill>
             </a:ln>
+            <a:scene3d>
+              <a:camera prst="obliqueBottomRight"/>
+              <a:lightRig rig="threePt" dir="t"/>
+            </a:scene3d>
+            <a:sp3d/>
           </p:spPr>
           <p:style>
             <a:lnRef idx="2">
@@ -4775,7 +4958,7 @@
           </p:nvSpPr>
           <p:spPr>
             <a:xfrm>
-              <a:off x="5968956" y="4055882"/>
+              <a:off x="5789847" y="3839065"/>
               <a:ext cx="292195" cy="292231"/>
             </a:xfrm>
             <a:prstGeom prst="ellipse">
@@ -4789,6 +4972,11 @@
                 <a:schemeClr val="tx1"/>
               </a:solidFill>
             </a:ln>
+            <a:scene3d>
+              <a:camera prst="obliqueBottomRight"/>
+              <a:lightRig rig="threePt" dir="t"/>
+            </a:scene3d>
+            <a:sp3d/>
           </p:spPr>
           <p:style>
             <a:lnRef idx="2">
@@ -4829,7 +5017,7 @@
           </p:nvSpPr>
           <p:spPr>
             <a:xfrm>
-              <a:off x="6459348" y="4055882"/>
+              <a:off x="6280239" y="3839065"/>
               <a:ext cx="292195" cy="292231"/>
             </a:xfrm>
             <a:prstGeom prst="ellipse">
@@ -4843,6 +5031,11 @@
                 <a:schemeClr val="tx1"/>
               </a:solidFill>
             </a:ln>
+            <a:scene3d>
+              <a:camera prst="obliqueBottomRight"/>
+              <a:lightRig rig="threePt" dir="t"/>
+            </a:scene3d>
+            <a:sp3d/>
           </p:spPr>
           <p:style>
             <a:lnRef idx="2">
@@ -4883,7 +5076,7 @@
           </p:nvSpPr>
           <p:spPr>
             <a:xfrm>
-              <a:off x="6949737" y="4055882"/>
+              <a:off x="6770628" y="3839065"/>
               <a:ext cx="292195" cy="292231"/>
             </a:xfrm>
             <a:prstGeom prst="ellipse">
@@ -4897,6 +5090,11 @@
                 <a:schemeClr val="tx1"/>
               </a:solidFill>
             </a:ln>
+            <a:scene3d>
+              <a:camera prst="obliqueBottomRight"/>
+              <a:lightRig rig="threePt" dir="t"/>
+            </a:scene3d>
+            <a:sp3d/>
           </p:spPr>
           <p:style>
             <a:lnRef idx="2">
@@ -4926,10 +5124,10 @@
       </p:grpSp>
       <p:grpSp>
         <p:nvGrpSpPr>
-          <p:cNvPr id="26" name="Agrupar 25">
-            <a:extLst>
-              <a:ext uri="{FF2B5EF4-FFF2-40B4-BE49-F238E27FC236}">
-                <a16:creationId xmlns:a16="http://schemas.microsoft.com/office/drawing/2014/main" id="{CE4205C1-CE4C-A117-40E8-CEF5A24534DA}"/>
+          <p:cNvPr id="13" name="Agrupar 12">
+            <a:extLst>
+              <a:ext uri="{FF2B5EF4-FFF2-40B4-BE49-F238E27FC236}">
+                <a16:creationId xmlns:a16="http://schemas.microsoft.com/office/drawing/2014/main" id="{3AF23367-7538-A973-9D01-A58500CBF65C}"/>
               </a:ext>
             </a:extLst>
           </p:cNvPr>
@@ -4938,18 +5136,11 @@
         </p:nvGrpSpPr>
         <p:grpSpPr>
           <a:xfrm>
-            <a:off x="4139938" y="3321376"/>
-            <a:ext cx="2509101" cy="292231"/>
-            <a:chOff x="4139938" y="3321376"/>
-            <a:chExt cx="2509101" cy="292231"/>
+            <a:off x="4073457" y="3321376"/>
+            <a:ext cx="2744190" cy="292231"/>
+            <a:chOff x="4073457" y="3321376"/>
+            <a:chExt cx="2744190" cy="292231"/>
           </a:xfrm>
-          <a:effectLst>
-            <a:outerShdw blurRad="50800" dist="38100" algn="l" rotWithShape="0">
-              <a:prstClr val="black">
-                <a:alpha val="40000"/>
-              </a:prstClr>
-            </a:outerShdw>
-          </a:effectLst>
         </p:grpSpPr>
         <p:sp>
           <p:nvSpPr>
@@ -4965,7 +5156,7 @@
           </p:nvSpPr>
           <p:spPr>
             <a:xfrm>
-              <a:off x="4139938" y="3321376"/>
+              <a:off x="4073457" y="3321376"/>
               <a:ext cx="292231" cy="292231"/>
             </a:xfrm>
             <a:prstGeom prst="ellipse">
@@ -4979,6 +5170,11 @@
                 <a:schemeClr val="tx1"/>
               </a:solidFill>
             </a:ln>
+            <a:scene3d>
+              <a:camera prst="obliqueBottomRight"/>
+              <a:lightRig rig="threePt" dir="t"/>
+            </a:scene3d>
+            <a:sp3d/>
           </p:spPr>
           <p:style>
             <a:lnRef idx="2">
@@ -5019,7 +5215,7 @@
           </p:nvSpPr>
           <p:spPr>
             <a:xfrm>
-              <a:off x="4694155" y="3321376"/>
+              <a:off x="4563849" y="3321376"/>
               <a:ext cx="292231" cy="292231"/>
             </a:xfrm>
             <a:prstGeom prst="ellipse">
@@ -5033,6 +5229,11 @@
                 <a:schemeClr val="tx1"/>
               </a:solidFill>
             </a:ln>
+            <a:scene3d>
+              <a:camera prst="obliqueBottomRight"/>
+              <a:lightRig rig="threePt" dir="t"/>
+            </a:scene3d>
+            <a:sp3d/>
           </p:spPr>
           <p:style>
             <a:lnRef idx="2">
@@ -5073,7 +5274,7 @@
           </p:nvSpPr>
           <p:spPr>
             <a:xfrm>
-              <a:off x="5248372" y="3321376"/>
+              <a:off x="5544633" y="3321376"/>
               <a:ext cx="292231" cy="292231"/>
             </a:xfrm>
             <a:prstGeom prst="ellipse">
@@ -5087,6 +5288,11 @@
                 <a:schemeClr val="tx1"/>
               </a:solidFill>
             </a:ln>
+            <a:scene3d>
+              <a:camera prst="obliqueBottomRight"/>
+              <a:lightRig rig="threePt" dir="t"/>
+            </a:scene3d>
+            <a:sp3d/>
           </p:spPr>
           <p:style>
             <a:lnRef idx="2">
@@ -5109,7 +5315,7 @@
             <a:lstStyle/>
             <a:p>
               <a:pPr algn="ctr"/>
-              <a:endParaRPr lang="pt-BR"/>
+              <a:endParaRPr lang="pt-BR" dirty="0"/>
             </a:p>
           </p:txBody>
         </p:sp>
@@ -5127,7 +5333,7 @@
           </p:nvSpPr>
           <p:spPr>
             <a:xfrm>
-              <a:off x="5802589" y="3321376"/>
+              <a:off x="6035025" y="3321376"/>
               <a:ext cx="292231" cy="292231"/>
             </a:xfrm>
             <a:prstGeom prst="ellipse">
@@ -5141,6 +5347,11 @@
                 <a:schemeClr val="tx1"/>
               </a:solidFill>
             </a:ln>
+            <a:scene3d>
+              <a:camera prst="obliqueBottomRight"/>
+              <a:lightRig rig="threePt" dir="t"/>
+            </a:scene3d>
+            <a:sp3d/>
           </p:spPr>
           <p:style>
             <a:lnRef idx="2">
@@ -5181,7 +5392,7 @@
           </p:nvSpPr>
           <p:spPr>
             <a:xfrm>
-              <a:off x="6356808" y="3321376"/>
+              <a:off x="6525416" y="3321376"/>
               <a:ext cx="292231" cy="292231"/>
             </a:xfrm>
             <a:prstGeom prst="ellipse">
@@ -5195,6 +5406,11 @@
                 <a:schemeClr val="tx1"/>
               </a:solidFill>
             </a:ln>
+            <a:scene3d>
+              <a:camera prst="obliqueBottomRight"/>
+              <a:lightRig rig="threePt" dir="t"/>
+            </a:scene3d>
+            <a:sp3d/>
           </p:spPr>
           <p:style>
             <a:lnRef idx="2">
@@ -5280,6 +5496,14 @@
                 <a:schemeClr val="tx1"/>
               </a:solidFill>
             </a:ln>
+            <a:effectLst>
+              <a:reflection endPos="0" dist="12700" dir="5400000" sy="-100000" algn="bl" rotWithShape="0"/>
+            </a:effectLst>
+            <a:scene3d>
+              <a:camera prst="orthographicFront"/>
+              <a:lightRig rig="threePt" dir="t"/>
+            </a:scene3d>
+            <a:sp3d/>
           </p:spPr>
           <p:style>
             <a:lnRef idx="2">
@@ -5334,6 +5558,11 @@
                 <a:schemeClr val="tx1"/>
               </a:solidFill>
             </a:ln>
+            <a:scene3d>
+              <a:camera prst="orthographicFront"/>
+              <a:lightRig rig="threePt" dir="t"/>
+            </a:scene3d>
+            <a:sp3d/>
           </p:spPr>
           <p:style>
             <a:lnRef idx="2">
@@ -5385,7 +5614,9 @@
             <a:schemeClr val="tx1"/>
           </a:solidFill>
           <a:ln w="28575">
-            <a:noFill/>
+            <a:solidFill>
+              <a:schemeClr val="tx1"/>
+            </a:solidFill>
           </a:ln>
           <a:effectLst>
             <a:outerShdw blurRad="50800" dist="38100" algn="l" rotWithShape="0">
@@ -5394,6 +5625,11 @@
               </a:prstClr>
             </a:outerShdw>
           </a:effectLst>
+          <a:scene3d>
+            <a:camera prst="obliqueBottomRight"/>
+            <a:lightRig rig="threePt" dir="t"/>
+          </a:scene3d>
+          <a:sp3d/>
         </p:spPr>
         <p:style>
           <a:lnRef idx="2">
@@ -5420,79 +5656,240 @@
           </a:p>
         </p:txBody>
       </p:sp>
-      <p:sp>
-        <p:nvSpPr>
-          <p:cNvPr id="2" name="Elipse 1">
-            <a:extLst>
-              <a:ext uri="{FF2B5EF4-FFF2-40B4-BE49-F238E27FC236}">
-                <a16:creationId xmlns:a16="http://schemas.microsoft.com/office/drawing/2014/main" id="{BC75C271-74B0-F07C-FA70-130B3E925DD0}"/>
-              </a:ext>
-            </a:extLst>
-          </p:cNvPr>
-          <p:cNvSpPr/>
+      <p:grpSp>
+        <p:nvGrpSpPr>
+          <p:cNvPr id="26" name="Agrupar 25">
+            <a:extLst>
+              <a:ext uri="{FF2B5EF4-FFF2-40B4-BE49-F238E27FC236}">
+                <a16:creationId xmlns:a16="http://schemas.microsoft.com/office/drawing/2014/main" id="{81C8DAF4-DF03-CF7D-5E8C-3BF6937C6562}"/>
+              </a:ext>
+            </a:extLst>
+          </p:cNvPr>
+          <p:cNvGrpSpPr/>
           <p:nvPr/>
-        </p:nvSpPr>
-        <p:spPr>
+        </p:nvGrpSpPr>
+        <p:grpSpPr>
           <a:xfrm>
-            <a:off x="3855563" y="2168165"/>
-            <a:ext cx="367645" cy="367645"/>
+            <a:off x="3708410" y="2142109"/>
+            <a:ext cx="1311646" cy="232654"/>
+            <a:chOff x="3708410" y="2142109"/>
+            <a:chExt cx="1311646" cy="232654"/>
           </a:xfrm>
-          <a:prstGeom prst="ellipse">
-            <a:avLst/>
-          </a:prstGeom>
-          <a:solidFill>
-            <a:srgbClr val="FFFF00"/>
-          </a:solidFill>
-          <a:ln>
-            <a:noFill/>
-          </a:ln>
-          <a:effectLst>
-            <a:glow rad="228600">
-              <a:schemeClr val="accent4">
-                <a:satMod val="175000"/>
-                <a:alpha val="40000"/>
+        </p:grpSpPr>
+        <p:sp>
+          <p:nvSpPr>
+            <p:cNvPr id="18" name="Elipse 17">
+              <a:extLst>
+                <a:ext uri="{FF2B5EF4-FFF2-40B4-BE49-F238E27FC236}">
+                  <a16:creationId xmlns:a16="http://schemas.microsoft.com/office/drawing/2014/main" id="{5795F52E-9C98-ADC1-B8F4-17E3358E048A}"/>
+                </a:ext>
+              </a:extLst>
+            </p:cNvPr>
+            <p:cNvSpPr/>
+            <p:nvPr/>
+          </p:nvSpPr>
+          <p:spPr>
+            <a:xfrm>
+              <a:off x="4247906" y="2142109"/>
+              <a:ext cx="232654" cy="232654"/>
+            </a:xfrm>
+            <a:prstGeom prst="ellipse">
+              <a:avLst/>
+            </a:prstGeom>
+            <a:solidFill>
+              <a:srgbClr val="92D050"/>
+            </a:solidFill>
+            <a:ln w="28575">
+              <a:noFill/>
+            </a:ln>
+            <a:effectLst>
+              <a:glow rad="228600">
+                <a:schemeClr val="accent6">
+                  <a:satMod val="175000"/>
+                  <a:alpha val="40000"/>
+                </a:schemeClr>
+              </a:glow>
+              <a:outerShdw blurRad="50800" dist="38100" algn="l" rotWithShape="0">
+                <a:prstClr val="black">
+                  <a:alpha val="40000"/>
+                </a:prstClr>
+              </a:outerShdw>
+            </a:effectLst>
+            <a:scene3d>
+              <a:camera prst="obliqueBottomRight"/>
+              <a:lightRig rig="threePt" dir="t"/>
+            </a:scene3d>
+            <a:sp3d/>
+          </p:spPr>
+          <p:style>
+            <a:lnRef idx="2">
+              <a:schemeClr val="accent1">
+                <a:shade val="15000"/>
               </a:schemeClr>
-            </a:glow>
-            <a:outerShdw blurRad="50800" dist="38100" algn="l" rotWithShape="0">
-              <a:prstClr val="black">
-                <a:alpha val="40000"/>
-              </a:prstClr>
-            </a:outerShdw>
-          </a:effectLst>
-        </p:spPr>
-        <p:style>
-          <a:lnRef idx="2">
-            <a:schemeClr val="accent1">
-              <a:shade val="15000"/>
-            </a:schemeClr>
-          </a:lnRef>
-          <a:fillRef idx="1">
-            <a:schemeClr val="accent1"/>
-          </a:fillRef>
-          <a:effectRef idx="0">
-            <a:schemeClr val="accent1"/>
-          </a:effectRef>
-          <a:fontRef idx="minor">
-            <a:schemeClr val="lt1"/>
-          </a:fontRef>
-        </p:style>
-        <p:txBody>
-          <a:bodyPr rtlCol="0" anchor="ctr"/>
-          <a:lstStyle/>
-          <a:p>
-            <a:pPr algn="ctr"/>
-            <a:endParaRPr lang="pt-BR">
-              <a:solidFill>
-                <a:srgbClr val="FFFF00"/>
-              </a:solidFill>
-            </a:endParaRPr>
-          </a:p>
-        </p:txBody>
-      </p:sp>
+            </a:lnRef>
+            <a:fillRef idx="1">
+              <a:schemeClr val="accent1"/>
+            </a:fillRef>
+            <a:effectRef idx="0">
+              <a:schemeClr val="accent1"/>
+            </a:effectRef>
+            <a:fontRef idx="minor">
+              <a:schemeClr val="lt1"/>
+            </a:fontRef>
+          </p:style>
+          <p:txBody>
+            <a:bodyPr rtlCol="0" anchor="ctr"/>
+            <a:lstStyle/>
+            <a:p>
+              <a:pPr algn="ctr"/>
+              <a:endParaRPr lang="pt-BR" dirty="0"/>
+            </a:p>
+          </p:txBody>
+        </p:sp>
+        <p:sp>
+          <p:nvSpPr>
+            <p:cNvPr id="20" name="Elipse 19">
+              <a:extLst>
+                <a:ext uri="{FF2B5EF4-FFF2-40B4-BE49-F238E27FC236}">
+                  <a16:creationId xmlns:a16="http://schemas.microsoft.com/office/drawing/2014/main" id="{3A89417E-8121-444B-8837-DFEF51D3E46A}"/>
+                </a:ext>
+              </a:extLst>
+            </p:cNvPr>
+            <p:cNvSpPr/>
+            <p:nvPr/>
+          </p:nvSpPr>
+          <p:spPr>
+            <a:xfrm>
+              <a:off x="3708410" y="2142109"/>
+              <a:ext cx="232654" cy="232654"/>
+            </a:xfrm>
+            <a:prstGeom prst="ellipse">
+              <a:avLst/>
+            </a:prstGeom>
+            <a:solidFill>
+              <a:srgbClr val="FFFF00"/>
+            </a:solidFill>
+            <a:ln w="28575">
+              <a:noFill/>
+            </a:ln>
+            <a:effectLst>
+              <a:glow rad="228600">
+                <a:schemeClr val="accent4">
+                  <a:satMod val="175000"/>
+                  <a:alpha val="40000"/>
+                </a:schemeClr>
+              </a:glow>
+              <a:outerShdw blurRad="50800" dist="38100" algn="l" rotWithShape="0">
+                <a:prstClr val="black">
+                  <a:alpha val="40000"/>
+                </a:prstClr>
+              </a:outerShdw>
+            </a:effectLst>
+            <a:scene3d>
+              <a:camera prst="obliqueBottomRight"/>
+              <a:lightRig rig="threePt" dir="t"/>
+            </a:scene3d>
+            <a:sp3d/>
+          </p:spPr>
+          <p:style>
+            <a:lnRef idx="2">
+              <a:schemeClr val="accent1">
+                <a:shade val="15000"/>
+              </a:schemeClr>
+            </a:lnRef>
+            <a:fillRef idx="1">
+              <a:schemeClr val="accent1"/>
+            </a:fillRef>
+            <a:effectRef idx="0">
+              <a:schemeClr val="accent1"/>
+            </a:effectRef>
+            <a:fontRef idx="minor">
+              <a:schemeClr val="lt1"/>
+            </a:fontRef>
+          </p:style>
+          <p:txBody>
+            <a:bodyPr rtlCol="0" anchor="ctr"/>
+            <a:lstStyle/>
+            <a:p>
+              <a:pPr algn="ctr"/>
+              <a:endParaRPr lang="pt-BR" dirty="0"/>
+            </a:p>
+          </p:txBody>
+        </p:sp>
+        <p:sp>
+          <p:nvSpPr>
+            <p:cNvPr id="19" name="Elipse 18">
+              <a:extLst>
+                <a:ext uri="{FF2B5EF4-FFF2-40B4-BE49-F238E27FC236}">
+                  <a16:creationId xmlns:a16="http://schemas.microsoft.com/office/drawing/2014/main" id="{F34327AA-A256-5EC2-0D03-C510960D693B}"/>
+                </a:ext>
+              </a:extLst>
+            </p:cNvPr>
+            <p:cNvSpPr/>
+            <p:nvPr/>
+          </p:nvSpPr>
+          <p:spPr>
+            <a:xfrm>
+              <a:off x="4787402" y="2142109"/>
+              <a:ext cx="232654" cy="232654"/>
+            </a:xfrm>
+            <a:prstGeom prst="ellipse">
+              <a:avLst/>
+            </a:prstGeom>
+            <a:solidFill>
+              <a:srgbClr val="FF0000"/>
+            </a:solidFill>
+            <a:ln w="28575">
+              <a:noFill/>
+            </a:ln>
+            <a:effectLst>
+              <a:glow rad="228600">
+                <a:srgbClr val="FF0000">
+                  <a:alpha val="40000"/>
+                </a:srgbClr>
+              </a:glow>
+              <a:outerShdw blurRad="50800" dist="38100" algn="l" rotWithShape="0">
+                <a:prstClr val="black">
+                  <a:alpha val="40000"/>
+                </a:prstClr>
+              </a:outerShdw>
+            </a:effectLst>
+            <a:scene3d>
+              <a:camera prst="obliqueBottomRight"/>
+              <a:lightRig rig="threePt" dir="t"/>
+            </a:scene3d>
+            <a:sp3d/>
+          </p:spPr>
+          <p:style>
+            <a:lnRef idx="2">
+              <a:schemeClr val="accent1">
+                <a:shade val="15000"/>
+              </a:schemeClr>
+            </a:lnRef>
+            <a:fillRef idx="1">
+              <a:schemeClr val="accent1"/>
+            </a:fillRef>
+            <a:effectRef idx="0">
+              <a:schemeClr val="accent1"/>
+            </a:effectRef>
+            <a:fontRef idx="minor">
+              <a:schemeClr val="lt1"/>
+            </a:fontRef>
+          </p:style>
+          <p:txBody>
+            <a:bodyPr rtlCol="0" anchor="ctr"/>
+            <a:lstStyle/>
+            <a:p>
+              <a:pPr algn="ctr"/>
+              <a:endParaRPr lang="pt-BR" dirty="0"/>
+            </a:p>
+          </p:txBody>
+        </p:sp>
+      </p:grpSp>
     </p:spTree>
     <p:extLst>
       <p:ext uri="{BB962C8B-B14F-4D97-AF65-F5344CB8AC3E}">
-        <p14:creationId xmlns:p14="http://schemas.microsoft.com/office/powerpoint/2010/main" val="3456640984"/>
+        <p14:creationId xmlns:p14="http://schemas.microsoft.com/office/powerpoint/2010/main" val="3456422176"/>
       </p:ext>
     </p:extLst>
   </p:cSld>

--- a/img/modelo do projeto.pptx
+++ b/img/modelo do projeto.pptx
@@ -3392,10 +3392,10 @@
       </p:sp>
       <p:grpSp>
         <p:nvGrpSpPr>
-          <p:cNvPr id="3" name="Agrupar 2">
-            <a:extLst>
-              <a:ext uri="{FF2B5EF4-FFF2-40B4-BE49-F238E27FC236}">
-                <a16:creationId xmlns:a16="http://schemas.microsoft.com/office/drawing/2014/main" id="{09D0C557-DF76-2412-8A3D-936D65FD9474}"/>
+          <p:cNvPr id="35" name="Agrupar 34">
+            <a:extLst>
+              <a:ext uri="{FF2B5EF4-FFF2-40B4-BE49-F238E27FC236}">
+                <a16:creationId xmlns:a16="http://schemas.microsoft.com/office/drawing/2014/main" id="{BDB4DCDE-E2D8-6ECB-15A6-DB42BDA13F59}"/>
               </a:ext>
             </a:extLst>
           </p:cNvPr>
@@ -3404,960 +3404,763 @@
         </p:nvGrpSpPr>
         <p:grpSpPr>
           <a:xfrm>
-            <a:off x="3828279" y="3839065"/>
-            <a:ext cx="3234544" cy="292231"/>
-            <a:chOff x="3828279" y="3839065"/>
-            <a:chExt cx="3234544" cy="292231"/>
+            <a:off x="3828279" y="3321376"/>
+            <a:ext cx="3234544" cy="809920"/>
+            <a:chOff x="3828279" y="3321376"/>
+            <a:chExt cx="3234544" cy="809920"/>
           </a:xfrm>
         </p:grpSpPr>
-        <p:sp>
-          <p:nvSpPr>
-            <p:cNvPr id="5" name="Elipse 4">
+        <p:grpSp>
+          <p:nvGrpSpPr>
+            <p:cNvPr id="3" name="Agrupar 2">
               <a:extLst>
                 <a:ext uri="{FF2B5EF4-FFF2-40B4-BE49-F238E27FC236}">
-                  <a16:creationId xmlns:a16="http://schemas.microsoft.com/office/drawing/2014/main" id="{71C21397-53C7-BFFE-E81F-2E7BFA514576}"/>
+                  <a16:creationId xmlns:a16="http://schemas.microsoft.com/office/drawing/2014/main" id="{09D0C557-DF76-2412-8A3D-936D65FD9474}"/>
                 </a:ext>
               </a:extLst>
             </p:cNvPr>
-            <p:cNvSpPr/>
+            <p:cNvGrpSpPr/>
             <p:nvPr/>
-          </p:nvSpPr>
-          <p:spPr>
+          </p:nvGrpSpPr>
+          <p:grpSpPr>
             <a:xfrm>
               <a:off x="3828279" y="3839065"/>
-              <a:ext cx="292195" cy="292231"/>
+              <a:ext cx="3234544" cy="292231"/>
+              <a:chOff x="3828279" y="3839065"/>
+              <a:chExt cx="3234544" cy="292231"/>
             </a:xfrm>
-            <a:prstGeom prst="ellipse">
-              <a:avLst/>
-            </a:prstGeom>
-            <a:solidFill>
-              <a:srgbClr val="FF0000"/>
-            </a:solidFill>
-            <a:ln w="28575">
-              <a:noFill/>
-            </a:ln>
-            <a:scene3d>
-              <a:camera prst="obliqueBottomRight"/>
-              <a:lightRig rig="threePt" dir="t"/>
-            </a:scene3d>
-            <a:sp3d>
-              <a:bevelT/>
-            </a:sp3d>
-          </p:spPr>
-          <p:style>
-            <a:lnRef idx="2">
-              <a:schemeClr val="accent1">
-                <a:shade val="15000"/>
-              </a:schemeClr>
-            </a:lnRef>
-            <a:fillRef idx="1">
-              <a:schemeClr val="accent1"/>
-            </a:fillRef>
-            <a:effectRef idx="0">
-              <a:schemeClr val="accent1"/>
-            </a:effectRef>
-            <a:fontRef idx="minor">
-              <a:schemeClr val="lt1"/>
-            </a:fontRef>
-          </p:style>
-          <p:txBody>
-            <a:bodyPr rtlCol="0" anchor="ctr"/>
-            <a:lstStyle/>
-            <a:p>
-              <a:pPr algn="ctr"/>
-              <a:endParaRPr lang="pt-BR"/>
-            </a:p>
-          </p:txBody>
-        </p:sp>
-        <p:sp>
-          <p:nvSpPr>
-            <p:cNvPr id="7" name="Elipse 6">
+          </p:grpSpPr>
+          <p:sp>
+            <p:nvSpPr>
+              <p:cNvPr id="5" name="Elipse 4">
+                <a:extLst>
+                  <a:ext uri="{FF2B5EF4-FFF2-40B4-BE49-F238E27FC236}">
+                    <a16:creationId xmlns:a16="http://schemas.microsoft.com/office/drawing/2014/main" id="{71C21397-53C7-BFFE-E81F-2E7BFA514576}"/>
+                  </a:ext>
+                </a:extLst>
+              </p:cNvPr>
+              <p:cNvSpPr/>
+              <p:nvPr/>
+            </p:nvSpPr>
+            <p:spPr>
+              <a:xfrm>
+                <a:off x="3828279" y="3839065"/>
+                <a:ext cx="292195" cy="292231"/>
+              </a:xfrm>
+              <a:prstGeom prst="ellipse">
+                <a:avLst/>
+              </a:prstGeom>
+              <a:solidFill>
+                <a:srgbClr val="FF0000"/>
+              </a:solidFill>
+              <a:ln w="28575">
+                <a:noFill/>
+              </a:ln>
+              <a:scene3d>
+                <a:camera prst="obliqueBottomRight"/>
+                <a:lightRig rig="threePt" dir="t"/>
+              </a:scene3d>
+              <a:sp3d>
+                <a:bevelT/>
+              </a:sp3d>
+            </p:spPr>
+            <p:style>
+              <a:lnRef idx="2">
+                <a:schemeClr val="accent1">
+                  <a:shade val="15000"/>
+                </a:schemeClr>
+              </a:lnRef>
+              <a:fillRef idx="1">
+                <a:schemeClr val="accent1"/>
+              </a:fillRef>
+              <a:effectRef idx="0">
+                <a:schemeClr val="accent1"/>
+              </a:effectRef>
+              <a:fontRef idx="minor">
+                <a:schemeClr val="lt1"/>
+              </a:fontRef>
+            </p:style>
+            <p:txBody>
+              <a:bodyPr rtlCol="0" anchor="ctr"/>
+              <a:lstStyle/>
+              <a:p>
+                <a:pPr algn="ctr"/>
+                <a:endParaRPr lang="pt-BR"/>
+              </a:p>
+            </p:txBody>
+          </p:sp>
+          <p:sp>
+            <p:nvSpPr>
+              <p:cNvPr id="7" name="Elipse 6">
+                <a:extLst>
+                  <a:ext uri="{FF2B5EF4-FFF2-40B4-BE49-F238E27FC236}">
+                    <a16:creationId xmlns:a16="http://schemas.microsoft.com/office/drawing/2014/main" id="{DAC61928-0B9F-6591-570D-B2B8DAF191CB}"/>
+                  </a:ext>
+                </a:extLst>
+              </p:cNvPr>
+              <p:cNvSpPr/>
+              <p:nvPr/>
+            </p:nvSpPr>
+            <p:spPr>
+              <a:xfrm>
+                <a:off x="4318671" y="3839065"/>
+                <a:ext cx="292195" cy="292231"/>
+              </a:xfrm>
+              <a:prstGeom prst="ellipse">
+                <a:avLst/>
+              </a:prstGeom>
+              <a:solidFill>
+                <a:srgbClr val="FF0000"/>
+              </a:solidFill>
+              <a:ln w="28575">
+                <a:noFill/>
+              </a:ln>
+              <a:scene3d>
+                <a:camera prst="obliqueBottomRight"/>
+                <a:lightRig rig="threePt" dir="t"/>
+              </a:scene3d>
+              <a:sp3d>
+                <a:bevelT/>
+              </a:sp3d>
+            </p:spPr>
+            <p:style>
+              <a:lnRef idx="2">
+                <a:schemeClr val="accent1">
+                  <a:shade val="15000"/>
+                </a:schemeClr>
+              </a:lnRef>
+              <a:fillRef idx="1">
+                <a:schemeClr val="accent1"/>
+              </a:fillRef>
+              <a:effectRef idx="0">
+                <a:schemeClr val="accent1"/>
+              </a:effectRef>
+              <a:fontRef idx="minor">
+                <a:schemeClr val="lt1"/>
+              </a:fontRef>
+            </p:style>
+            <p:txBody>
+              <a:bodyPr rtlCol="0" anchor="ctr"/>
+              <a:lstStyle/>
+              <a:p>
+                <a:pPr algn="ctr"/>
+                <a:endParaRPr lang="pt-BR" dirty="0"/>
+              </a:p>
+            </p:txBody>
+          </p:sp>
+          <p:sp>
+            <p:nvSpPr>
+              <p:cNvPr id="8" name="Elipse 7">
+                <a:extLst>
+                  <a:ext uri="{FF2B5EF4-FFF2-40B4-BE49-F238E27FC236}">
+                    <a16:creationId xmlns:a16="http://schemas.microsoft.com/office/drawing/2014/main" id="{C09E5B8C-B60B-C888-F290-E660CD50C5B7}"/>
+                  </a:ext>
+                </a:extLst>
+              </p:cNvPr>
+              <p:cNvSpPr/>
+              <p:nvPr/>
+            </p:nvSpPr>
+            <p:spPr>
+              <a:xfrm>
+                <a:off x="4809063" y="3839065"/>
+                <a:ext cx="292195" cy="292231"/>
+              </a:xfrm>
+              <a:prstGeom prst="ellipse">
+                <a:avLst/>
+              </a:prstGeom>
+              <a:solidFill>
+                <a:srgbClr val="FF0000"/>
+              </a:solidFill>
+              <a:ln w="28575">
+                <a:noFill/>
+              </a:ln>
+              <a:scene3d>
+                <a:camera prst="obliqueBottomRight"/>
+                <a:lightRig rig="threePt" dir="t"/>
+              </a:scene3d>
+              <a:sp3d>
+                <a:bevelT/>
+              </a:sp3d>
+            </p:spPr>
+            <p:style>
+              <a:lnRef idx="2">
+                <a:schemeClr val="accent1">
+                  <a:shade val="15000"/>
+                </a:schemeClr>
+              </a:lnRef>
+              <a:fillRef idx="1">
+                <a:schemeClr val="accent1"/>
+              </a:fillRef>
+              <a:effectRef idx="0">
+                <a:schemeClr val="accent1"/>
+              </a:effectRef>
+              <a:fontRef idx="minor">
+                <a:schemeClr val="lt1"/>
+              </a:fontRef>
+            </p:style>
+            <p:txBody>
+              <a:bodyPr rtlCol="0" anchor="ctr"/>
+              <a:lstStyle/>
+              <a:p>
+                <a:pPr algn="ctr"/>
+                <a:endParaRPr lang="pt-BR" dirty="0"/>
+              </a:p>
+            </p:txBody>
+          </p:sp>
+          <p:sp>
+            <p:nvSpPr>
+              <p:cNvPr id="9" name="Elipse 8">
+                <a:extLst>
+                  <a:ext uri="{FF2B5EF4-FFF2-40B4-BE49-F238E27FC236}">
+                    <a16:creationId xmlns:a16="http://schemas.microsoft.com/office/drawing/2014/main" id="{F835A139-95D9-9638-EB56-F963CF2E70B3}"/>
+                  </a:ext>
+                </a:extLst>
+              </p:cNvPr>
+              <p:cNvSpPr/>
+              <p:nvPr/>
+            </p:nvSpPr>
+            <p:spPr>
+              <a:xfrm>
+                <a:off x="5299455" y="3839065"/>
+                <a:ext cx="292195" cy="292231"/>
+              </a:xfrm>
+              <a:prstGeom prst="ellipse">
+                <a:avLst/>
+              </a:prstGeom>
+              <a:solidFill>
+                <a:srgbClr val="FF0000"/>
+              </a:solidFill>
+              <a:ln w="28575">
+                <a:noFill/>
+              </a:ln>
+              <a:scene3d>
+                <a:camera prst="obliqueBottomRight"/>
+                <a:lightRig rig="threePt" dir="t"/>
+              </a:scene3d>
+              <a:sp3d>
+                <a:bevelT/>
+              </a:sp3d>
+            </p:spPr>
+            <p:style>
+              <a:lnRef idx="2">
+                <a:schemeClr val="accent1">
+                  <a:shade val="15000"/>
+                </a:schemeClr>
+              </a:lnRef>
+              <a:fillRef idx="1">
+                <a:schemeClr val="accent1"/>
+              </a:fillRef>
+              <a:effectRef idx="0">
+                <a:schemeClr val="accent1"/>
+              </a:effectRef>
+              <a:fontRef idx="minor">
+                <a:schemeClr val="lt1"/>
+              </a:fontRef>
+            </p:style>
+            <p:txBody>
+              <a:bodyPr rtlCol="0" anchor="ctr"/>
+              <a:lstStyle/>
+              <a:p>
+                <a:pPr algn="ctr"/>
+                <a:endParaRPr lang="pt-BR" dirty="0"/>
+              </a:p>
+            </p:txBody>
+          </p:sp>
+          <p:sp>
+            <p:nvSpPr>
+              <p:cNvPr id="10" name="Elipse 9">
+                <a:extLst>
+                  <a:ext uri="{FF2B5EF4-FFF2-40B4-BE49-F238E27FC236}">
+                    <a16:creationId xmlns:a16="http://schemas.microsoft.com/office/drawing/2014/main" id="{A20E0A17-FC71-6B9D-CEE9-53672A0BBF8E}"/>
+                  </a:ext>
+                </a:extLst>
+              </p:cNvPr>
+              <p:cNvSpPr/>
+              <p:nvPr/>
+            </p:nvSpPr>
+            <p:spPr>
+              <a:xfrm>
+                <a:off x="5789847" y="3839065"/>
+                <a:ext cx="292195" cy="292231"/>
+              </a:xfrm>
+              <a:prstGeom prst="ellipse">
+                <a:avLst/>
+              </a:prstGeom>
+              <a:solidFill>
+                <a:srgbClr val="FF0000"/>
+              </a:solidFill>
+              <a:ln w="28575">
+                <a:noFill/>
+              </a:ln>
+              <a:scene3d>
+                <a:camera prst="obliqueBottomRight"/>
+                <a:lightRig rig="threePt" dir="t"/>
+              </a:scene3d>
+              <a:sp3d>
+                <a:bevelT/>
+              </a:sp3d>
+            </p:spPr>
+            <p:style>
+              <a:lnRef idx="2">
+                <a:schemeClr val="accent1">
+                  <a:shade val="15000"/>
+                </a:schemeClr>
+              </a:lnRef>
+              <a:fillRef idx="1">
+                <a:schemeClr val="accent1"/>
+              </a:fillRef>
+              <a:effectRef idx="0">
+                <a:schemeClr val="accent1"/>
+              </a:effectRef>
+              <a:fontRef idx="minor">
+                <a:schemeClr val="lt1"/>
+              </a:fontRef>
+            </p:style>
+            <p:txBody>
+              <a:bodyPr rtlCol="0" anchor="ctr"/>
+              <a:lstStyle/>
+              <a:p>
+                <a:pPr algn="ctr"/>
+                <a:endParaRPr lang="pt-BR"/>
+              </a:p>
+            </p:txBody>
+          </p:sp>
+          <p:sp>
+            <p:nvSpPr>
+              <p:cNvPr id="11" name="Elipse 10">
+                <a:extLst>
+                  <a:ext uri="{FF2B5EF4-FFF2-40B4-BE49-F238E27FC236}">
+                    <a16:creationId xmlns:a16="http://schemas.microsoft.com/office/drawing/2014/main" id="{81F5B572-3ACD-6AB8-CE7C-1D6D3DC30C3F}"/>
+                  </a:ext>
+                </a:extLst>
+              </p:cNvPr>
+              <p:cNvSpPr/>
+              <p:nvPr/>
+            </p:nvSpPr>
+            <p:spPr>
+              <a:xfrm>
+                <a:off x="6280239" y="3839065"/>
+                <a:ext cx="292195" cy="292231"/>
+              </a:xfrm>
+              <a:prstGeom prst="ellipse">
+                <a:avLst/>
+              </a:prstGeom>
+              <a:solidFill>
+                <a:srgbClr val="FF0000"/>
+              </a:solidFill>
+              <a:ln w="28575">
+                <a:noFill/>
+              </a:ln>
+              <a:scene3d>
+                <a:camera prst="obliqueBottomRight"/>
+                <a:lightRig rig="threePt" dir="t"/>
+              </a:scene3d>
+              <a:sp3d>
+                <a:bevelT/>
+              </a:sp3d>
+            </p:spPr>
+            <p:style>
+              <a:lnRef idx="2">
+                <a:schemeClr val="accent1">
+                  <a:shade val="15000"/>
+                </a:schemeClr>
+              </a:lnRef>
+              <a:fillRef idx="1">
+                <a:schemeClr val="accent1"/>
+              </a:fillRef>
+              <a:effectRef idx="0">
+                <a:schemeClr val="accent1"/>
+              </a:effectRef>
+              <a:fontRef idx="minor">
+                <a:schemeClr val="lt1"/>
+              </a:fontRef>
+            </p:style>
+            <p:txBody>
+              <a:bodyPr rtlCol="0" anchor="ctr"/>
+              <a:lstStyle/>
+              <a:p>
+                <a:pPr algn="ctr"/>
+                <a:endParaRPr lang="pt-BR"/>
+              </a:p>
+            </p:txBody>
+          </p:sp>
+          <p:sp>
+            <p:nvSpPr>
+              <p:cNvPr id="12" name="Elipse 11">
+                <a:extLst>
+                  <a:ext uri="{FF2B5EF4-FFF2-40B4-BE49-F238E27FC236}">
+                    <a16:creationId xmlns:a16="http://schemas.microsoft.com/office/drawing/2014/main" id="{DF9439AE-EF14-BEE7-8DB5-4958D8A1ABF5}"/>
+                  </a:ext>
+                </a:extLst>
+              </p:cNvPr>
+              <p:cNvSpPr/>
+              <p:nvPr/>
+            </p:nvSpPr>
+            <p:spPr>
+              <a:xfrm>
+                <a:off x="6770628" y="3839065"/>
+                <a:ext cx="292195" cy="292231"/>
+              </a:xfrm>
+              <a:prstGeom prst="ellipse">
+                <a:avLst/>
+              </a:prstGeom>
+              <a:solidFill>
+                <a:srgbClr val="FF0000"/>
+              </a:solidFill>
+              <a:ln w="28575">
+                <a:noFill/>
+              </a:ln>
+              <a:scene3d>
+                <a:camera prst="obliqueBottomRight"/>
+                <a:lightRig rig="threePt" dir="t"/>
+              </a:scene3d>
+              <a:sp3d>
+                <a:bevelT/>
+              </a:sp3d>
+            </p:spPr>
+            <p:style>
+              <a:lnRef idx="2">
+                <a:schemeClr val="accent1">
+                  <a:shade val="15000"/>
+                </a:schemeClr>
+              </a:lnRef>
+              <a:fillRef idx="1">
+                <a:schemeClr val="accent1"/>
+              </a:fillRef>
+              <a:effectRef idx="0">
+                <a:schemeClr val="accent1"/>
+              </a:effectRef>
+              <a:fontRef idx="minor">
+                <a:schemeClr val="lt1"/>
+              </a:fontRef>
+            </p:style>
+            <p:txBody>
+              <a:bodyPr rtlCol="0" anchor="ctr"/>
+              <a:lstStyle/>
+              <a:p>
+                <a:pPr algn="ctr"/>
+                <a:endParaRPr lang="pt-BR" dirty="0"/>
+              </a:p>
+            </p:txBody>
+          </p:sp>
+        </p:grpSp>
+        <p:grpSp>
+          <p:nvGrpSpPr>
+            <p:cNvPr id="13" name="Agrupar 12">
               <a:extLst>
                 <a:ext uri="{FF2B5EF4-FFF2-40B4-BE49-F238E27FC236}">
-                  <a16:creationId xmlns:a16="http://schemas.microsoft.com/office/drawing/2014/main" id="{DAC61928-0B9F-6591-570D-B2B8DAF191CB}"/>
+                  <a16:creationId xmlns:a16="http://schemas.microsoft.com/office/drawing/2014/main" id="{3AF23367-7538-A973-9D01-A58500CBF65C}"/>
                 </a:ext>
               </a:extLst>
             </p:cNvPr>
-            <p:cNvSpPr/>
+            <p:cNvGrpSpPr/>
             <p:nvPr/>
-          </p:nvSpPr>
-          <p:spPr>
-            <a:xfrm>
-              <a:off x="4318671" y="3839065"/>
-              <a:ext cx="292195" cy="292231"/>
-            </a:xfrm>
-            <a:prstGeom prst="ellipse">
-              <a:avLst/>
-            </a:prstGeom>
-            <a:solidFill>
-              <a:srgbClr val="FF0000"/>
-            </a:solidFill>
-            <a:ln w="28575">
-              <a:noFill/>
-            </a:ln>
-            <a:scene3d>
-              <a:camera prst="obliqueBottomRight"/>
-              <a:lightRig rig="threePt" dir="t"/>
-            </a:scene3d>
-            <a:sp3d>
-              <a:bevelT/>
-            </a:sp3d>
-          </p:spPr>
-          <p:style>
-            <a:lnRef idx="2">
-              <a:schemeClr val="accent1">
-                <a:shade val="15000"/>
-              </a:schemeClr>
-            </a:lnRef>
-            <a:fillRef idx="1">
-              <a:schemeClr val="accent1"/>
-            </a:fillRef>
-            <a:effectRef idx="0">
-              <a:schemeClr val="accent1"/>
-            </a:effectRef>
-            <a:fontRef idx="minor">
-              <a:schemeClr val="lt1"/>
-            </a:fontRef>
-          </p:style>
-          <p:txBody>
-            <a:bodyPr rtlCol="0" anchor="ctr"/>
-            <a:lstStyle/>
-            <a:p>
-              <a:pPr algn="ctr"/>
-              <a:endParaRPr lang="pt-BR" dirty="0"/>
-            </a:p>
-          </p:txBody>
-        </p:sp>
-        <p:sp>
-          <p:nvSpPr>
-            <p:cNvPr id="8" name="Elipse 7">
-              <a:extLst>
-                <a:ext uri="{FF2B5EF4-FFF2-40B4-BE49-F238E27FC236}">
-                  <a16:creationId xmlns:a16="http://schemas.microsoft.com/office/drawing/2014/main" id="{C09E5B8C-B60B-C888-F290-E660CD50C5B7}"/>
-                </a:ext>
-              </a:extLst>
-            </p:cNvPr>
-            <p:cNvSpPr/>
-            <p:nvPr/>
-          </p:nvSpPr>
-          <p:spPr>
-            <a:xfrm>
-              <a:off x="4809063" y="3839065"/>
-              <a:ext cx="292195" cy="292231"/>
-            </a:xfrm>
-            <a:prstGeom prst="ellipse">
-              <a:avLst/>
-            </a:prstGeom>
-            <a:solidFill>
-              <a:srgbClr val="FF0000"/>
-            </a:solidFill>
-            <a:ln w="28575">
-              <a:noFill/>
-            </a:ln>
-            <a:scene3d>
-              <a:camera prst="obliqueBottomRight"/>
-              <a:lightRig rig="threePt" dir="t"/>
-            </a:scene3d>
-            <a:sp3d>
-              <a:bevelT/>
-            </a:sp3d>
-          </p:spPr>
-          <p:style>
-            <a:lnRef idx="2">
-              <a:schemeClr val="accent1">
-                <a:shade val="15000"/>
-              </a:schemeClr>
-            </a:lnRef>
-            <a:fillRef idx="1">
-              <a:schemeClr val="accent1"/>
-            </a:fillRef>
-            <a:effectRef idx="0">
-              <a:schemeClr val="accent1"/>
-            </a:effectRef>
-            <a:fontRef idx="minor">
-              <a:schemeClr val="lt1"/>
-            </a:fontRef>
-          </p:style>
-          <p:txBody>
-            <a:bodyPr rtlCol="0" anchor="ctr"/>
-            <a:lstStyle/>
-            <a:p>
-              <a:pPr algn="ctr"/>
-              <a:endParaRPr lang="pt-BR" dirty="0"/>
-            </a:p>
-          </p:txBody>
-        </p:sp>
-        <p:sp>
-          <p:nvSpPr>
-            <p:cNvPr id="9" name="Elipse 8">
-              <a:extLst>
-                <a:ext uri="{FF2B5EF4-FFF2-40B4-BE49-F238E27FC236}">
-                  <a16:creationId xmlns:a16="http://schemas.microsoft.com/office/drawing/2014/main" id="{F835A139-95D9-9638-EB56-F963CF2E70B3}"/>
-                </a:ext>
-              </a:extLst>
-            </p:cNvPr>
-            <p:cNvSpPr/>
-            <p:nvPr/>
-          </p:nvSpPr>
-          <p:spPr>
-            <a:xfrm>
-              <a:off x="5299455" y="3839065"/>
-              <a:ext cx="292195" cy="292231"/>
-            </a:xfrm>
-            <a:prstGeom prst="ellipse">
-              <a:avLst/>
-            </a:prstGeom>
-            <a:solidFill>
-              <a:srgbClr val="FF0000"/>
-            </a:solidFill>
-            <a:ln w="28575">
-              <a:noFill/>
-            </a:ln>
-            <a:scene3d>
-              <a:camera prst="obliqueBottomRight"/>
-              <a:lightRig rig="threePt" dir="t"/>
-            </a:scene3d>
-            <a:sp3d>
-              <a:bevelT/>
-            </a:sp3d>
-          </p:spPr>
-          <p:style>
-            <a:lnRef idx="2">
-              <a:schemeClr val="accent1">
-                <a:shade val="15000"/>
-              </a:schemeClr>
-            </a:lnRef>
-            <a:fillRef idx="1">
-              <a:schemeClr val="accent1"/>
-            </a:fillRef>
-            <a:effectRef idx="0">
-              <a:schemeClr val="accent1"/>
-            </a:effectRef>
-            <a:fontRef idx="minor">
-              <a:schemeClr val="lt1"/>
-            </a:fontRef>
-          </p:style>
-          <p:txBody>
-            <a:bodyPr rtlCol="0" anchor="ctr"/>
-            <a:lstStyle/>
-            <a:p>
-              <a:pPr algn="ctr"/>
-              <a:endParaRPr lang="pt-BR" dirty="0"/>
-            </a:p>
-          </p:txBody>
-        </p:sp>
-        <p:sp>
-          <p:nvSpPr>
-            <p:cNvPr id="10" name="Elipse 9">
-              <a:extLst>
-                <a:ext uri="{FF2B5EF4-FFF2-40B4-BE49-F238E27FC236}">
-                  <a16:creationId xmlns:a16="http://schemas.microsoft.com/office/drawing/2014/main" id="{A20E0A17-FC71-6B9D-CEE9-53672A0BBF8E}"/>
-                </a:ext>
-              </a:extLst>
-            </p:cNvPr>
-            <p:cNvSpPr/>
-            <p:nvPr/>
-          </p:nvSpPr>
-          <p:spPr>
-            <a:xfrm>
-              <a:off x="5789847" y="3839065"/>
-              <a:ext cx="292195" cy="292231"/>
-            </a:xfrm>
-            <a:prstGeom prst="ellipse">
-              <a:avLst/>
-            </a:prstGeom>
-            <a:solidFill>
-              <a:srgbClr val="FF0000"/>
-            </a:solidFill>
-            <a:ln w="28575">
-              <a:noFill/>
-            </a:ln>
-            <a:scene3d>
-              <a:camera prst="obliqueBottomRight"/>
-              <a:lightRig rig="threePt" dir="t"/>
-            </a:scene3d>
-            <a:sp3d>
-              <a:bevelT/>
-            </a:sp3d>
-          </p:spPr>
-          <p:style>
-            <a:lnRef idx="2">
-              <a:schemeClr val="accent1">
-                <a:shade val="15000"/>
-              </a:schemeClr>
-            </a:lnRef>
-            <a:fillRef idx="1">
-              <a:schemeClr val="accent1"/>
-            </a:fillRef>
-            <a:effectRef idx="0">
-              <a:schemeClr val="accent1"/>
-            </a:effectRef>
-            <a:fontRef idx="minor">
-              <a:schemeClr val="lt1"/>
-            </a:fontRef>
-          </p:style>
-          <p:txBody>
-            <a:bodyPr rtlCol="0" anchor="ctr"/>
-            <a:lstStyle/>
-            <a:p>
-              <a:pPr algn="ctr"/>
-              <a:endParaRPr lang="pt-BR"/>
-            </a:p>
-          </p:txBody>
-        </p:sp>
-        <p:sp>
-          <p:nvSpPr>
-            <p:cNvPr id="11" name="Elipse 10">
-              <a:extLst>
-                <a:ext uri="{FF2B5EF4-FFF2-40B4-BE49-F238E27FC236}">
-                  <a16:creationId xmlns:a16="http://schemas.microsoft.com/office/drawing/2014/main" id="{81F5B572-3ACD-6AB8-CE7C-1D6D3DC30C3F}"/>
-                </a:ext>
-              </a:extLst>
-            </p:cNvPr>
-            <p:cNvSpPr/>
-            <p:nvPr/>
-          </p:nvSpPr>
-          <p:spPr>
-            <a:xfrm>
-              <a:off x="6280239" y="3839065"/>
-              <a:ext cx="292195" cy="292231"/>
-            </a:xfrm>
-            <a:prstGeom prst="ellipse">
-              <a:avLst/>
-            </a:prstGeom>
-            <a:solidFill>
-              <a:srgbClr val="FF0000"/>
-            </a:solidFill>
-            <a:ln w="28575">
-              <a:noFill/>
-            </a:ln>
-            <a:scene3d>
-              <a:camera prst="obliqueBottomRight"/>
-              <a:lightRig rig="threePt" dir="t"/>
-            </a:scene3d>
-            <a:sp3d>
-              <a:bevelT/>
-            </a:sp3d>
-          </p:spPr>
-          <p:style>
-            <a:lnRef idx="2">
-              <a:schemeClr val="accent1">
-                <a:shade val="15000"/>
-              </a:schemeClr>
-            </a:lnRef>
-            <a:fillRef idx="1">
-              <a:schemeClr val="accent1"/>
-            </a:fillRef>
-            <a:effectRef idx="0">
-              <a:schemeClr val="accent1"/>
-            </a:effectRef>
-            <a:fontRef idx="minor">
-              <a:schemeClr val="lt1"/>
-            </a:fontRef>
-          </p:style>
-          <p:txBody>
-            <a:bodyPr rtlCol="0" anchor="ctr"/>
-            <a:lstStyle/>
-            <a:p>
-              <a:pPr algn="ctr"/>
-              <a:endParaRPr lang="pt-BR"/>
-            </a:p>
-          </p:txBody>
-        </p:sp>
-        <p:sp>
-          <p:nvSpPr>
-            <p:cNvPr id="12" name="Elipse 11">
-              <a:extLst>
-                <a:ext uri="{FF2B5EF4-FFF2-40B4-BE49-F238E27FC236}">
-                  <a16:creationId xmlns:a16="http://schemas.microsoft.com/office/drawing/2014/main" id="{DF9439AE-EF14-BEE7-8DB5-4958D8A1ABF5}"/>
-                </a:ext>
-              </a:extLst>
-            </p:cNvPr>
-            <p:cNvSpPr/>
-            <p:nvPr/>
-          </p:nvSpPr>
-          <p:spPr>
-            <a:xfrm>
-              <a:off x="6770628" y="3839065"/>
-              <a:ext cx="292195" cy="292231"/>
-            </a:xfrm>
-            <a:prstGeom prst="ellipse">
-              <a:avLst/>
-            </a:prstGeom>
-            <a:solidFill>
-              <a:srgbClr val="FF0000"/>
-            </a:solidFill>
-            <a:ln w="28575">
-              <a:noFill/>
-            </a:ln>
-            <a:scene3d>
-              <a:camera prst="obliqueBottomRight"/>
-              <a:lightRig rig="threePt" dir="t"/>
-            </a:scene3d>
-            <a:sp3d>
-              <a:bevelT/>
-            </a:sp3d>
-          </p:spPr>
-          <p:style>
-            <a:lnRef idx="2">
-              <a:schemeClr val="accent1">
-                <a:shade val="15000"/>
-              </a:schemeClr>
-            </a:lnRef>
-            <a:fillRef idx="1">
-              <a:schemeClr val="accent1"/>
-            </a:fillRef>
-            <a:effectRef idx="0">
-              <a:schemeClr val="accent1"/>
-            </a:effectRef>
-            <a:fontRef idx="minor">
-              <a:schemeClr val="lt1"/>
-            </a:fontRef>
-          </p:style>
-          <p:txBody>
-            <a:bodyPr rtlCol="0" anchor="ctr"/>
-            <a:lstStyle/>
-            <a:p>
-              <a:pPr algn="ctr"/>
-              <a:endParaRPr lang="pt-BR" dirty="0"/>
-            </a:p>
-          </p:txBody>
-        </p:sp>
-      </p:grpSp>
-      <p:grpSp>
-        <p:nvGrpSpPr>
-          <p:cNvPr id="13" name="Agrupar 12">
-            <a:extLst>
-              <a:ext uri="{FF2B5EF4-FFF2-40B4-BE49-F238E27FC236}">
-                <a16:creationId xmlns:a16="http://schemas.microsoft.com/office/drawing/2014/main" id="{3AF23367-7538-A973-9D01-A58500CBF65C}"/>
-              </a:ext>
-            </a:extLst>
-          </p:cNvPr>
-          <p:cNvGrpSpPr/>
-          <p:nvPr/>
-        </p:nvGrpSpPr>
-        <p:grpSpPr>
-          <a:xfrm>
-            <a:off x="4073457" y="3321376"/>
-            <a:ext cx="2744190" cy="292231"/>
-            <a:chOff x="4073457" y="3321376"/>
-            <a:chExt cx="2744190" cy="292231"/>
-          </a:xfrm>
-        </p:grpSpPr>
-        <p:sp>
-          <p:nvSpPr>
-            <p:cNvPr id="6" name="Elipse 5">
-              <a:extLst>
-                <a:ext uri="{FF2B5EF4-FFF2-40B4-BE49-F238E27FC236}">
-                  <a16:creationId xmlns:a16="http://schemas.microsoft.com/office/drawing/2014/main" id="{2F956EC9-48E6-DA50-26D1-A2A5AF24CC3F}"/>
-                </a:ext>
-              </a:extLst>
-            </p:cNvPr>
-            <p:cNvSpPr/>
-            <p:nvPr/>
-          </p:nvSpPr>
-          <p:spPr>
+          </p:nvGrpSpPr>
+          <p:grpSpPr>
             <a:xfrm>
               <a:off x="4073457" y="3321376"/>
-              <a:ext cx="292231" cy="292231"/>
+              <a:ext cx="2744190" cy="292231"/>
+              <a:chOff x="4073457" y="3321376"/>
+              <a:chExt cx="2744190" cy="292231"/>
             </a:xfrm>
-            <a:prstGeom prst="ellipse">
-              <a:avLst/>
-            </a:prstGeom>
-            <a:solidFill>
-              <a:schemeClr val="accent6"/>
-            </a:solidFill>
-            <a:ln w="28575">
-              <a:noFill/>
-            </a:ln>
-            <a:scene3d>
-              <a:camera prst="obliqueBottomRight"/>
-              <a:lightRig rig="threePt" dir="t"/>
-            </a:scene3d>
-            <a:sp3d>
-              <a:bevelT/>
-            </a:sp3d>
-          </p:spPr>
-          <p:style>
-            <a:lnRef idx="2">
-              <a:schemeClr val="accent1">
-                <a:shade val="15000"/>
-              </a:schemeClr>
-            </a:lnRef>
-            <a:fillRef idx="1">
-              <a:schemeClr val="accent1"/>
-            </a:fillRef>
-            <a:effectRef idx="0">
-              <a:schemeClr val="accent1"/>
-            </a:effectRef>
-            <a:fontRef idx="minor">
-              <a:schemeClr val="lt1"/>
-            </a:fontRef>
-          </p:style>
-          <p:txBody>
-            <a:bodyPr rtlCol="0" anchor="ctr"/>
-            <a:lstStyle/>
-            <a:p>
-              <a:pPr algn="ctr"/>
-              <a:endParaRPr lang="pt-BR"/>
-            </a:p>
-          </p:txBody>
-        </p:sp>
-        <p:sp>
-          <p:nvSpPr>
-            <p:cNvPr id="14" name="Elipse 13">
-              <a:extLst>
-                <a:ext uri="{FF2B5EF4-FFF2-40B4-BE49-F238E27FC236}">
-                  <a16:creationId xmlns:a16="http://schemas.microsoft.com/office/drawing/2014/main" id="{F6953C24-29E1-30E9-A989-2FFF31BA28CE}"/>
-                </a:ext>
-              </a:extLst>
-            </p:cNvPr>
-            <p:cNvSpPr/>
-            <p:nvPr/>
-          </p:nvSpPr>
-          <p:spPr>
-            <a:xfrm>
-              <a:off x="4563849" y="3321376"/>
-              <a:ext cx="292231" cy="292231"/>
-            </a:xfrm>
-            <a:prstGeom prst="ellipse">
-              <a:avLst/>
-            </a:prstGeom>
-            <a:solidFill>
-              <a:schemeClr val="accent6"/>
-            </a:solidFill>
-            <a:ln w="28575">
-              <a:noFill/>
-            </a:ln>
-            <a:scene3d>
-              <a:camera prst="obliqueBottomRight"/>
-              <a:lightRig rig="threePt" dir="t"/>
-            </a:scene3d>
-            <a:sp3d>
-              <a:bevelT/>
-            </a:sp3d>
-          </p:spPr>
-          <p:style>
-            <a:lnRef idx="2">
-              <a:schemeClr val="accent1">
-                <a:shade val="15000"/>
-              </a:schemeClr>
-            </a:lnRef>
-            <a:fillRef idx="1">
-              <a:schemeClr val="accent1"/>
-            </a:fillRef>
-            <a:effectRef idx="0">
-              <a:schemeClr val="accent1"/>
-            </a:effectRef>
-            <a:fontRef idx="minor">
-              <a:schemeClr val="lt1"/>
-            </a:fontRef>
-          </p:style>
-          <p:txBody>
-            <a:bodyPr rtlCol="0" anchor="ctr"/>
-            <a:lstStyle/>
-            <a:p>
-              <a:pPr algn="ctr"/>
-              <a:endParaRPr lang="pt-BR"/>
-            </a:p>
-          </p:txBody>
-        </p:sp>
-        <p:sp>
-          <p:nvSpPr>
-            <p:cNvPr id="15" name="Elipse 14">
-              <a:extLst>
-                <a:ext uri="{FF2B5EF4-FFF2-40B4-BE49-F238E27FC236}">
-                  <a16:creationId xmlns:a16="http://schemas.microsoft.com/office/drawing/2014/main" id="{512BDDE2-1F14-7A02-5ACF-ED7BACAE9B05}"/>
-                </a:ext>
-              </a:extLst>
-            </p:cNvPr>
-            <p:cNvSpPr/>
-            <p:nvPr/>
-          </p:nvSpPr>
-          <p:spPr>
-            <a:xfrm>
-              <a:off x="5544633" y="3321376"/>
-              <a:ext cx="292231" cy="292231"/>
-            </a:xfrm>
-            <a:prstGeom prst="ellipse">
-              <a:avLst/>
-            </a:prstGeom>
-            <a:solidFill>
-              <a:schemeClr val="accent6"/>
-            </a:solidFill>
-            <a:ln w="28575">
-              <a:noFill/>
-            </a:ln>
-            <a:scene3d>
-              <a:camera prst="obliqueBottomRight"/>
-              <a:lightRig rig="threePt" dir="t"/>
-            </a:scene3d>
-            <a:sp3d>
-              <a:bevelT/>
-            </a:sp3d>
-          </p:spPr>
-          <p:style>
-            <a:lnRef idx="2">
-              <a:schemeClr val="accent1">
-                <a:shade val="15000"/>
-              </a:schemeClr>
-            </a:lnRef>
-            <a:fillRef idx="1">
-              <a:schemeClr val="accent1"/>
-            </a:fillRef>
-            <a:effectRef idx="0">
-              <a:schemeClr val="accent1"/>
-            </a:effectRef>
-            <a:fontRef idx="minor">
-              <a:schemeClr val="lt1"/>
-            </a:fontRef>
-          </p:style>
-          <p:txBody>
-            <a:bodyPr rtlCol="0" anchor="ctr"/>
-            <a:lstStyle/>
-            <a:p>
-              <a:pPr algn="ctr"/>
-              <a:endParaRPr lang="pt-BR" dirty="0"/>
-            </a:p>
-          </p:txBody>
-        </p:sp>
-        <p:sp>
-          <p:nvSpPr>
-            <p:cNvPr id="16" name="Elipse 15">
-              <a:extLst>
-                <a:ext uri="{FF2B5EF4-FFF2-40B4-BE49-F238E27FC236}">
-                  <a16:creationId xmlns:a16="http://schemas.microsoft.com/office/drawing/2014/main" id="{8139C28B-67F5-BDE5-B3E1-3FE06B43DB27}"/>
-                </a:ext>
-              </a:extLst>
-            </p:cNvPr>
-            <p:cNvSpPr/>
-            <p:nvPr/>
-          </p:nvSpPr>
-          <p:spPr>
-            <a:xfrm>
-              <a:off x="6035025" y="3321376"/>
-              <a:ext cx="292231" cy="292231"/>
-            </a:xfrm>
-            <a:prstGeom prst="ellipse">
-              <a:avLst/>
-            </a:prstGeom>
-            <a:solidFill>
-              <a:schemeClr val="accent6"/>
-            </a:solidFill>
-            <a:ln w="28575">
-              <a:noFill/>
-            </a:ln>
-            <a:scene3d>
-              <a:camera prst="obliqueBottomRight"/>
-              <a:lightRig rig="threePt" dir="t"/>
-            </a:scene3d>
-            <a:sp3d>
-              <a:bevelT/>
-            </a:sp3d>
-          </p:spPr>
-          <p:style>
-            <a:lnRef idx="2">
-              <a:schemeClr val="accent1">
-                <a:shade val="15000"/>
-              </a:schemeClr>
-            </a:lnRef>
-            <a:fillRef idx="1">
-              <a:schemeClr val="accent1"/>
-            </a:fillRef>
-            <a:effectRef idx="0">
-              <a:schemeClr val="accent1"/>
-            </a:effectRef>
-            <a:fontRef idx="minor">
-              <a:schemeClr val="lt1"/>
-            </a:fontRef>
-          </p:style>
-          <p:txBody>
-            <a:bodyPr rtlCol="0" anchor="ctr"/>
-            <a:lstStyle/>
-            <a:p>
-              <a:pPr algn="ctr"/>
-              <a:endParaRPr lang="pt-BR"/>
-            </a:p>
-          </p:txBody>
-        </p:sp>
-        <p:sp>
-          <p:nvSpPr>
-            <p:cNvPr id="17" name="Elipse 16">
-              <a:extLst>
-                <a:ext uri="{FF2B5EF4-FFF2-40B4-BE49-F238E27FC236}">
-                  <a16:creationId xmlns:a16="http://schemas.microsoft.com/office/drawing/2014/main" id="{A47BDDF9-6A02-4677-77FE-66431BC88DF1}"/>
-                </a:ext>
-              </a:extLst>
-            </p:cNvPr>
-            <p:cNvSpPr/>
-            <p:nvPr/>
-          </p:nvSpPr>
-          <p:spPr>
-            <a:xfrm>
-              <a:off x="6525416" y="3321376"/>
-              <a:ext cx="292231" cy="292231"/>
-            </a:xfrm>
-            <a:prstGeom prst="ellipse">
-              <a:avLst/>
-            </a:prstGeom>
-            <a:solidFill>
-              <a:schemeClr val="accent6"/>
-            </a:solidFill>
-            <a:ln w="28575">
-              <a:noFill/>
-            </a:ln>
-            <a:scene3d>
-              <a:camera prst="obliqueBottomRight"/>
-              <a:lightRig rig="threePt" dir="t"/>
-            </a:scene3d>
-            <a:sp3d>
-              <a:bevelT/>
-            </a:sp3d>
-          </p:spPr>
-          <p:style>
-            <a:lnRef idx="2">
-              <a:schemeClr val="accent1">
-                <a:shade val="15000"/>
-              </a:schemeClr>
-            </a:lnRef>
-            <a:fillRef idx="1">
-              <a:schemeClr val="accent1"/>
-            </a:fillRef>
-            <a:effectRef idx="0">
-              <a:schemeClr val="accent1"/>
-            </a:effectRef>
-            <a:fontRef idx="minor">
-              <a:schemeClr val="lt1"/>
-            </a:fontRef>
-          </p:style>
-          <p:txBody>
-            <a:bodyPr rtlCol="0" anchor="ctr"/>
-            <a:lstStyle/>
-            <a:p>
-              <a:pPr algn="ctr"/>
-              <a:endParaRPr lang="pt-BR"/>
-            </a:p>
-          </p:txBody>
-        </p:sp>
+          </p:grpSpPr>
+          <p:sp>
+            <p:nvSpPr>
+              <p:cNvPr id="6" name="Elipse 5">
+                <a:extLst>
+                  <a:ext uri="{FF2B5EF4-FFF2-40B4-BE49-F238E27FC236}">
+                    <a16:creationId xmlns:a16="http://schemas.microsoft.com/office/drawing/2014/main" id="{2F956EC9-48E6-DA50-26D1-A2A5AF24CC3F}"/>
+                  </a:ext>
+                </a:extLst>
+              </p:cNvPr>
+              <p:cNvSpPr/>
+              <p:nvPr/>
+            </p:nvSpPr>
+            <p:spPr>
+              <a:xfrm>
+                <a:off x="4073457" y="3321376"/>
+                <a:ext cx="292231" cy="292231"/>
+              </a:xfrm>
+              <a:prstGeom prst="ellipse">
+                <a:avLst/>
+              </a:prstGeom>
+              <a:solidFill>
+                <a:schemeClr val="accent6"/>
+              </a:solidFill>
+              <a:ln w="28575">
+                <a:noFill/>
+              </a:ln>
+              <a:scene3d>
+                <a:camera prst="obliqueBottomRight"/>
+                <a:lightRig rig="threePt" dir="t"/>
+              </a:scene3d>
+              <a:sp3d>
+                <a:bevelT/>
+              </a:sp3d>
+            </p:spPr>
+            <p:style>
+              <a:lnRef idx="2">
+                <a:schemeClr val="accent1">
+                  <a:shade val="15000"/>
+                </a:schemeClr>
+              </a:lnRef>
+              <a:fillRef idx="1">
+                <a:schemeClr val="accent1"/>
+              </a:fillRef>
+              <a:effectRef idx="0">
+                <a:schemeClr val="accent1"/>
+              </a:effectRef>
+              <a:fontRef idx="minor">
+                <a:schemeClr val="lt1"/>
+              </a:fontRef>
+            </p:style>
+            <p:txBody>
+              <a:bodyPr rtlCol="0" anchor="ctr"/>
+              <a:lstStyle/>
+              <a:p>
+                <a:pPr algn="ctr"/>
+                <a:endParaRPr lang="pt-BR"/>
+              </a:p>
+            </p:txBody>
+          </p:sp>
+          <p:sp>
+            <p:nvSpPr>
+              <p:cNvPr id="14" name="Elipse 13">
+                <a:extLst>
+                  <a:ext uri="{FF2B5EF4-FFF2-40B4-BE49-F238E27FC236}">
+                    <a16:creationId xmlns:a16="http://schemas.microsoft.com/office/drawing/2014/main" id="{F6953C24-29E1-30E9-A989-2FFF31BA28CE}"/>
+                  </a:ext>
+                </a:extLst>
+              </p:cNvPr>
+              <p:cNvSpPr/>
+              <p:nvPr/>
+            </p:nvSpPr>
+            <p:spPr>
+              <a:xfrm>
+                <a:off x="4563849" y="3321376"/>
+                <a:ext cx="292231" cy="292231"/>
+              </a:xfrm>
+              <a:prstGeom prst="ellipse">
+                <a:avLst/>
+              </a:prstGeom>
+              <a:solidFill>
+                <a:schemeClr val="accent6"/>
+              </a:solidFill>
+              <a:ln w="28575">
+                <a:noFill/>
+              </a:ln>
+              <a:scene3d>
+                <a:camera prst="obliqueBottomRight"/>
+                <a:lightRig rig="threePt" dir="t"/>
+              </a:scene3d>
+              <a:sp3d>
+                <a:bevelT/>
+              </a:sp3d>
+            </p:spPr>
+            <p:style>
+              <a:lnRef idx="2">
+                <a:schemeClr val="accent1">
+                  <a:shade val="15000"/>
+                </a:schemeClr>
+              </a:lnRef>
+              <a:fillRef idx="1">
+                <a:schemeClr val="accent1"/>
+              </a:fillRef>
+              <a:effectRef idx="0">
+                <a:schemeClr val="accent1"/>
+              </a:effectRef>
+              <a:fontRef idx="minor">
+                <a:schemeClr val="lt1"/>
+              </a:fontRef>
+            </p:style>
+            <p:txBody>
+              <a:bodyPr rtlCol="0" anchor="ctr"/>
+              <a:lstStyle/>
+              <a:p>
+                <a:pPr algn="ctr"/>
+                <a:endParaRPr lang="pt-BR"/>
+              </a:p>
+            </p:txBody>
+          </p:sp>
+          <p:sp>
+            <p:nvSpPr>
+              <p:cNvPr id="15" name="Elipse 14">
+                <a:extLst>
+                  <a:ext uri="{FF2B5EF4-FFF2-40B4-BE49-F238E27FC236}">
+                    <a16:creationId xmlns:a16="http://schemas.microsoft.com/office/drawing/2014/main" id="{512BDDE2-1F14-7A02-5ACF-ED7BACAE9B05}"/>
+                  </a:ext>
+                </a:extLst>
+              </p:cNvPr>
+              <p:cNvSpPr/>
+              <p:nvPr/>
+            </p:nvSpPr>
+            <p:spPr>
+              <a:xfrm>
+                <a:off x="5544633" y="3321376"/>
+                <a:ext cx="292231" cy="292231"/>
+              </a:xfrm>
+              <a:prstGeom prst="ellipse">
+                <a:avLst/>
+              </a:prstGeom>
+              <a:solidFill>
+                <a:schemeClr val="accent6"/>
+              </a:solidFill>
+              <a:ln w="28575">
+                <a:noFill/>
+              </a:ln>
+              <a:scene3d>
+                <a:camera prst="obliqueBottomRight"/>
+                <a:lightRig rig="threePt" dir="t"/>
+              </a:scene3d>
+              <a:sp3d>
+                <a:bevelT/>
+              </a:sp3d>
+            </p:spPr>
+            <p:style>
+              <a:lnRef idx="2">
+                <a:schemeClr val="accent1">
+                  <a:shade val="15000"/>
+                </a:schemeClr>
+              </a:lnRef>
+              <a:fillRef idx="1">
+                <a:schemeClr val="accent1"/>
+              </a:fillRef>
+              <a:effectRef idx="0">
+                <a:schemeClr val="accent1"/>
+              </a:effectRef>
+              <a:fontRef idx="minor">
+                <a:schemeClr val="lt1"/>
+              </a:fontRef>
+            </p:style>
+            <p:txBody>
+              <a:bodyPr rtlCol="0" anchor="ctr"/>
+              <a:lstStyle/>
+              <a:p>
+                <a:pPr algn="ctr"/>
+                <a:endParaRPr lang="pt-BR" dirty="0"/>
+              </a:p>
+            </p:txBody>
+          </p:sp>
+          <p:sp>
+            <p:nvSpPr>
+              <p:cNvPr id="16" name="Elipse 15">
+                <a:extLst>
+                  <a:ext uri="{FF2B5EF4-FFF2-40B4-BE49-F238E27FC236}">
+                    <a16:creationId xmlns:a16="http://schemas.microsoft.com/office/drawing/2014/main" id="{8139C28B-67F5-BDE5-B3E1-3FE06B43DB27}"/>
+                  </a:ext>
+                </a:extLst>
+              </p:cNvPr>
+              <p:cNvSpPr/>
+              <p:nvPr/>
+            </p:nvSpPr>
+            <p:spPr>
+              <a:xfrm>
+                <a:off x="6035025" y="3321376"/>
+                <a:ext cx="292231" cy="292231"/>
+              </a:xfrm>
+              <a:prstGeom prst="ellipse">
+                <a:avLst/>
+              </a:prstGeom>
+              <a:solidFill>
+                <a:schemeClr val="accent6"/>
+              </a:solidFill>
+              <a:ln w="28575">
+                <a:noFill/>
+              </a:ln>
+              <a:scene3d>
+                <a:camera prst="obliqueBottomRight"/>
+                <a:lightRig rig="threePt" dir="t"/>
+              </a:scene3d>
+              <a:sp3d>
+                <a:bevelT/>
+              </a:sp3d>
+            </p:spPr>
+            <p:style>
+              <a:lnRef idx="2">
+                <a:schemeClr val="accent1">
+                  <a:shade val="15000"/>
+                </a:schemeClr>
+              </a:lnRef>
+              <a:fillRef idx="1">
+                <a:schemeClr val="accent1"/>
+              </a:fillRef>
+              <a:effectRef idx="0">
+                <a:schemeClr val="accent1"/>
+              </a:effectRef>
+              <a:fontRef idx="minor">
+                <a:schemeClr val="lt1"/>
+              </a:fontRef>
+            </p:style>
+            <p:txBody>
+              <a:bodyPr rtlCol="0" anchor="ctr"/>
+              <a:lstStyle/>
+              <a:p>
+                <a:pPr algn="ctr"/>
+                <a:endParaRPr lang="pt-BR"/>
+              </a:p>
+            </p:txBody>
+          </p:sp>
+          <p:sp>
+            <p:nvSpPr>
+              <p:cNvPr id="17" name="Elipse 16">
+                <a:extLst>
+                  <a:ext uri="{FF2B5EF4-FFF2-40B4-BE49-F238E27FC236}">
+                    <a16:creationId xmlns:a16="http://schemas.microsoft.com/office/drawing/2014/main" id="{A47BDDF9-6A02-4677-77FE-66431BC88DF1}"/>
+                  </a:ext>
+                </a:extLst>
+              </p:cNvPr>
+              <p:cNvSpPr/>
+              <p:nvPr/>
+            </p:nvSpPr>
+            <p:spPr>
+              <a:xfrm>
+                <a:off x="6525416" y="3321376"/>
+                <a:ext cx="292231" cy="292231"/>
+              </a:xfrm>
+              <a:prstGeom prst="ellipse">
+                <a:avLst/>
+              </a:prstGeom>
+              <a:solidFill>
+                <a:schemeClr val="accent6"/>
+              </a:solidFill>
+              <a:ln w="28575">
+                <a:noFill/>
+              </a:ln>
+              <a:scene3d>
+                <a:camera prst="obliqueBottomRight"/>
+                <a:lightRig rig="threePt" dir="t"/>
+              </a:scene3d>
+              <a:sp3d>
+                <a:bevelT/>
+              </a:sp3d>
+            </p:spPr>
+            <p:style>
+              <a:lnRef idx="2">
+                <a:schemeClr val="accent1">
+                  <a:shade val="15000"/>
+                </a:schemeClr>
+              </a:lnRef>
+              <a:fillRef idx="1">
+                <a:schemeClr val="accent1"/>
+              </a:fillRef>
+              <a:effectRef idx="0">
+                <a:schemeClr val="accent1"/>
+              </a:effectRef>
+              <a:fontRef idx="minor">
+                <a:schemeClr val="lt1"/>
+              </a:fontRef>
+            </p:style>
+            <p:txBody>
+              <a:bodyPr rtlCol="0" anchor="ctr"/>
+              <a:lstStyle/>
+              <a:p>
+                <a:pPr algn="ctr"/>
+                <a:endParaRPr lang="pt-BR"/>
+              </a:p>
+            </p:txBody>
+          </p:sp>
+        </p:grpSp>
       </p:grpSp>
-      <p:grpSp>
-        <p:nvGrpSpPr>
-          <p:cNvPr id="24" name="Agrupar 23">
-            <a:extLst>
-              <a:ext uri="{FF2B5EF4-FFF2-40B4-BE49-F238E27FC236}">
-                <a16:creationId xmlns:a16="http://schemas.microsoft.com/office/drawing/2014/main" id="{98BD3700-3081-2663-4218-778EA7D27E39}"/>
-              </a:ext>
-            </a:extLst>
-          </p:cNvPr>
-          <p:cNvGrpSpPr/>
-          <p:nvPr/>
-        </p:nvGrpSpPr>
-        <p:grpSpPr>
-          <a:xfrm>
-            <a:off x="7428321" y="2752626"/>
-            <a:ext cx="405353" cy="1536569"/>
-            <a:chOff x="7305773" y="2516956"/>
-            <a:chExt cx="405353" cy="1536569"/>
-          </a:xfrm>
-          <a:effectLst>
-            <a:outerShdw blurRad="50800" dist="38100" algn="l" rotWithShape="0">
-              <a:prstClr val="black">
-                <a:alpha val="40000"/>
-              </a:prstClr>
-            </a:outerShdw>
-          </a:effectLst>
-        </p:grpSpPr>
-        <p:sp>
-          <p:nvSpPr>
-            <p:cNvPr id="22" name="Retângulo 21">
-              <a:extLst>
-                <a:ext uri="{FF2B5EF4-FFF2-40B4-BE49-F238E27FC236}">
-                  <a16:creationId xmlns:a16="http://schemas.microsoft.com/office/drawing/2014/main" id="{94D33FBE-B9D0-4DA9-5050-F33D837BB52E}"/>
-                </a:ext>
-              </a:extLst>
-            </p:cNvPr>
-            <p:cNvSpPr/>
-            <p:nvPr/>
-          </p:nvSpPr>
-          <p:spPr>
-            <a:xfrm>
-              <a:off x="7404754" y="2516956"/>
-              <a:ext cx="207390" cy="1536569"/>
-            </a:xfrm>
-            <a:prstGeom prst="rect">
-              <a:avLst/>
-            </a:prstGeom>
-            <a:solidFill>
-              <a:schemeClr val="tx2">
-                <a:lumMod val="40000"/>
-                <a:lumOff val="60000"/>
-              </a:schemeClr>
-            </a:solidFill>
-            <a:ln w="28575">
-              <a:noFill/>
-            </a:ln>
-            <a:effectLst>
-              <a:reflection endPos="0" dist="12700" dir="5400000" sy="-100000" algn="bl" rotWithShape="0"/>
-            </a:effectLst>
-            <a:scene3d>
-              <a:camera prst="orthographicFront"/>
-              <a:lightRig rig="threePt" dir="t"/>
-            </a:scene3d>
-            <a:sp3d>
-              <a:bevelT w="114300" prst="hardEdge"/>
-            </a:sp3d>
-          </p:spPr>
-          <p:style>
-            <a:lnRef idx="2">
-              <a:schemeClr val="accent1">
-                <a:shade val="15000"/>
-              </a:schemeClr>
-            </a:lnRef>
-            <a:fillRef idx="1">
-              <a:schemeClr val="accent1"/>
-            </a:fillRef>
-            <a:effectRef idx="0">
-              <a:schemeClr val="accent1"/>
-            </a:effectRef>
-            <a:fontRef idx="minor">
-              <a:schemeClr val="lt1"/>
-            </a:fontRef>
-          </p:style>
-          <p:txBody>
-            <a:bodyPr rtlCol="0" anchor="ctr"/>
-            <a:lstStyle/>
-            <a:p>
-              <a:pPr algn="ctr"/>
-              <a:endParaRPr lang="pt-BR" dirty="0"/>
-            </a:p>
-          </p:txBody>
-        </p:sp>
-        <p:sp>
-          <p:nvSpPr>
-            <p:cNvPr id="23" name="Retângulo 22">
-              <a:extLst>
-                <a:ext uri="{FF2B5EF4-FFF2-40B4-BE49-F238E27FC236}">
-                  <a16:creationId xmlns:a16="http://schemas.microsoft.com/office/drawing/2014/main" id="{C0857E71-F5D7-811C-8457-FC967A219868}"/>
-                </a:ext>
-              </a:extLst>
-            </p:cNvPr>
-            <p:cNvSpPr/>
-            <p:nvPr/>
-          </p:nvSpPr>
-          <p:spPr>
-            <a:xfrm>
-              <a:off x="7305773" y="2804475"/>
-              <a:ext cx="405353" cy="150829"/>
-            </a:xfrm>
-            <a:prstGeom prst="rect">
-              <a:avLst/>
-            </a:prstGeom>
-            <a:solidFill>
-              <a:schemeClr val="tx1"/>
-            </a:solidFill>
-            <a:ln w="28575">
-              <a:noFill/>
-            </a:ln>
-            <a:scene3d>
-              <a:camera prst="orthographicFront"/>
-              <a:lightRig rig="threePt" dir="t"/>
-            </a:scene3d>
-            <a:sp3d>
-              <a:bevelT/>
-            </a:sp3d>
-          </p:spPr>
-          <p:style>
-            <a:lnRef idx="2">
-              <a:schemeClr val="accent1">
-                <a:shade val="15000"/>
-              </a:schemeClr>
-            </a:lnRef>
-            <a:fillRef idx="1">
-              <a:schemeClr val="accent1"/>
-            </a:fillRef>
-            <a:effectRef idx="0">
-              <a:schemeClr val="accent1"/>
-            </a:effectRef>
-            <a:fontRef idx="minor">
-              <a:schemeClr val="lt1"/>
-            </a:fontRef>
-          </p:style>
-          <p:txBody>
-            <a:bodyPr rtlCol="0" anchor="ctr"/>
-            <a:lstStyle/>
-            <a:p>
-              <a:pPr algn="ctr"/>
-              <a:endParaRPr lang="pt-BR"/>
-            </a:p>
-          </p:txBody>
-        </p:sp>
-      </p:grpSp>
-      <p:sp>
-        <p:nvSpPr>
-          <p:cNvPr id="25" name="Elipse 24">
-            <a:extLst>
-              <a:ext uri="{FF2B5EF4-FFF2-40B4-BE49-F238E27FC236}">
-                <a16:creationId xmlns:a16="http://schemas.microsoft.com/office/drawing/2014/main" id="{83968EF8-1D9B-787F-CC53-6EFDCDAC0ECD}"/>
-              </a:ext>
-            </a:extLst>
-          </p:cNvPr>
-          <p:cNvSpPr/>
-          <p:nvPr/>
-        </p:nvSpPr>
-        <p:spPr>
-          <a:xfrm>
-            <a:off x="7484882" y="2163445"/>
-            <a:ext cx="292231" cy="292231"/>
-          </a:xfrm>
-          <a:prstGeom prst="ellipse">
-            <a:avLst/>
-          </a:prstGeom>
-          <a:solidFill>
-            <a:schemeClr val="tx1"/>
-          </a:solidFill>
-          <a:ln w="28575">
-            <a:noFill/>
-          </a:ln>
-          <a:effectLst>
-            <a:outerShdw blurRad="50800" dist="38100" algn="l" rotWithShape="0">
-              <a:prstClr val="black">
-                <a:alpha val="40000"/>
-              </a:prstClr>
-            </a:outerShdw>
-          </a:effectLst>
-          <a:scene3d>
-            <a:camera prst="obliqueBottomRight"/>
-            <a:lightRig rig="threePt" dir="t"/>
-          </a:scene3d>
-          <a:sp3d>
-            <a:bevelT/>
-          </a:sp3d>
-        </p:spPr>
-        <p:style>
-          <a:lnRef idx="2">
-            <a:schemeClr val="accent1">
-              <a:shade val="15000"/>
-            </a:schemeClr>
-          </a:lnRef>
-          <a:fillRef idx="1">
-            <a:schemeClr val="accent1"/>
-          </a:fillRef>
-          <a:effectRef idx="0">
-            <a:schemeClr val="accent1"/>
-          </a:effectRef>
-          <a:fontRef idx="minor">
-            <a:schemeClr val="lt1"/>
-          </a:fontRef>
-        </p:style>
-        <p:txBody>
-          <a:bodyPr rtlCol="0" anchor="ctr"/>
-          <a:lstStyle/>
-          <a:p>
-            <a:pPr algn="ctr"/>
-            <a:endParaRPr lang="pt-BR"/>
-          </a:p>
-        </p:txBody>
-      </p:sp>
       <p:grpSp>
         <p:nvGrpSpPr>
           <p:cNvPr id="26" name="Agrupar 25">
@@ -4590,6 +4393,379 @@
             <a:p>
               <a:pPr algn="ctr"/>
               <a:endParaRPr lang="pt-BR" dirty="0"/>
+            </a:p>
+          </p:txBody>
+        </p:sp>
+      </p:grpSp>
+      <p:grpSp>
+        <p:nvGrpSpPr>
+          <p:cNvPr id="31" name="Agrupar 30">
+            <a:extLst>
+              <a:ext uri="{FF2B5EF4-FFF2-40B4-BE49-F238E27FC236}">
+                <a16:creationId xmlns:a16="http://schemas.microsoft.com/office/drawing/2014/main" id="{EAE52767-5513-8F79-C589-6F264D494E54}"/>
+              </a:ext>
+            </a:extLst>
+          </p:cNvPr>
+          <p:cNvGrpSpPr/>
+          <p:nvPr/>
+        </p:nvGrpSpPr>
+        <p:grpSpPr>
+          <a:xfrm>
+            <a:off x="7381747" y="2748280"/>
+            <a:ext cx="563687" cy="1540915"/>
+            <a:chOff x="7269987" y="2748280"/>
+            <a:chExt cx="563687" cy="1540915"/>
+          </a:xfrm>
+        </p:grpSpPr>
+        <p:grpSp>
+          <p:nvGrpSpPr>
+            <p:cNvPr id="24" name="Agrupar 23">
+              <a:extLst>
+                <a:ext uri="{FF2B5EF4-FFF2-40B4-BE49-F238E27FC236}">
+                  <a16:creationId xmlns:a16="http://schemas.microsoft.com/office/drawing/2014/main" id="{98BD3700-3081-2663-4218-778EA7D27E39}"/>
+                </a:ext>
+              </a:extLst>
+            </p:cNvPr>
+            <p:cNvGrpSpPr/>
+            <p:nvPr/>
+          </p:nvGrpSpPr>
+          <p:grpSpPr>
+            <a:xfrm>
+              <a:off x="7428321" y="2752626"/>
+              <a:ext cx="405353" cy="1536569"/>
+              <a:chOff x="7305773" y="2516956"/>
+              <a:chExt cx="405353" cy="1536569"/>
+            </a:xfrm>
+            <a:effectLst>
+              <a:outerShdw blurRad="50800" dist="38100" algn="l" rotWithShape="0">
+                <a:prstClr val="black">
+                  <a:alpha val="40000"/>
+                </a:prstClr>
+              </a:outerShdw>
+            </a:effectLst>
+          </p:grpSpPr>
+          <p:sp>
+            <p:nvSpPr>
+              <p:cNvPr id="22" name="Retângulo 21">
+                <a:extLst>
+                  <a:ext uri="{FF2B5EF4-FFF2-40B4-BE49-F238E27FC236}">
+                    <a16:creationId xmlns:a16="http://schemas.microsoft.com/office/drawing/2014/main" id="{94D33FBE-B9D0-4DA9-5050-F33D837BB52E}"/>
+                  </a:ext>
+                </a:extLst>
+              </p:cNvPr>
+              <p:cNvSpPr/>
+              <p:nvPr/>
+            </p:nvSpPr>
+            <p:spPr>
+              <a:xfrm>
+                <a:off x="7404754" y="2516956"/>
+                <a:ext cx="207390" cy="1536569"/>
+              </a:xfrm>
+              <a:prstGeom prst="rect">
+                <a:avLst/>
+              </a:prstGeom>
+              <a:solidFill>
+                <a:schemeClr val="tx2">
+                  <a:lumMod val="40000"/>
+                  <a:lumOff val="60000"/>
+                </a:schemeClr>
+              </a:solidFill>
+              <a:ln w="28575">
+                <a:noFill/>
+              </a:ln>
+              <a:effectLst>
+                <a:reflection endPos="0" dist="12700" dir="5400000" sy="-100000" algn="bl" rotWithShape="0"/>
+              </a:effectLst>
+              <a:scene3d>
+                <a:camera prst="orthographicFront"/>
+                <a:lightRig rig="threePt" dir="t"/>
+              </a:scene3d>
+              <a:sp3d>
+                <a:bevelT w="114300" prst="hardEdge"/>
+              </a:sp3d>
+            </p:spPr>
+            <p:style>
+              <a:lnRef idx="2">
+                <a:schemeClr val="accent1">
+                  <a:shade val="15000"/>
+                </a:schemeClr>
+              </a:lnRef>
+              <a:fillRef idx="1">
+                <a:schemeClr val="accent1"/>
+              </a:fillRef>
+              <a:effectRef idx="0">
+                <a:schemeClr val="accent1"/>
+              </a:effectRef>
+              <a:fontRef idx="minor">
+                <a:schemeClr val="lt1"/>
+              </a:fontRef>
+            </p:style>
+            <p:txBody>
+              <a:bodyPr rtlCol="0" anchor="ctr"/>
+              <a:lstStyle/>
+              <a:p>
+                <a:pPr algn="ctr"/>
+                <a:endParaRPr lang="pt-BR" dirty="0"/>
+              </a:p>
+            </p:txBody>
+          </p:sp>
+          <p:sp>
+            <p:nvSpPr>
+              <p:cNvPr id="23" name="Retângulo 22">
+                <a:extLst>
+                  <a:ext uri="{FF2B5EF4-FFF2-40B4-BE49-F238E27FC236}">
+                    <a16:creationId xmlns:a16="http://schemas.microsoft.com/office/drawing/2014/main" id="{C0857E71-F5D7-811C-8457-FC967A219868}"/>
+                  </a:ext>
+                </a:extLst>
+              </p:cNvPr>
+              <p:cNvSpPr/>
+              <p:nvPr/>
+            </p:nvSpPr>
+            <p:spPr>
+              <a:xfrm>
+                <a:off x="7305773" y="2804475"/>
+                <a:ext cx="405353" cy="150829"/>
+              </a:xfrm>
+              <a:prstGeom prst="rect">
+                <a:avLst/>
+              </a:prstGeom>
+              <a:solidFill>
+                <a:schemeClr val="tx1"/>
+              </a:solidFill>
+              <a:ln w="28575">
+                <a:noFill/>
+              </a:ln>
+              <a:scene3d>
+                <a:camera prst="orthographicFront"/>
+                <a:lightRig rig="threePt" dir="t"/>
+              </a:scene3d>
+              <a:sp3d>
+                <a:bevelT/>
+              </a:sp3d>
+            </p:spPr>
+            <p:style>
+              <a:lnRef idx="2">
+                <a:schemeClr val="accent1">
+                  <a:shade val="15000"/>
+                </a:schemeClr>
+              </a:lnRef>
+              <a:fillRef idx="1">
+                <a:schemeClr val="accent1"/>
+              </a:fillRef>
+              <a:effectRef idx="0">
+                <a:schemeClr val="accent1"/>
+              </a:effectRef>
+              <a:fontRef idx="minor">
+                <a:schemeClr val="lt1"/>
+              </a:fontRef>
+            </p:style>
+            <p:txBody>
+              <a:bodyPr rtlCol="0" anchor="ctr"/>
+              <a:lstStyle/>
+              <a:p>
+                <a:pPr algn="ctr"/>
+                <a:endParaRPr lang="pt-BR"/>
+              </a:p>
+            </p:txBody>
+          </p:sp>
+        </p:grpSp>
+        <p:pic>
+          <p:nvPicPr>
+            <p:cNvPr id="28" name="Gráfico 27" descr="Alto-falante sem áudio com preenchimento sólido">
+              <a:extLst>
+                <a:ext uri="{FF2B5EF4-FFF2-40B4-BE49-F238E27FC236}">
+                  <a16:creationId xmlns:a16="http://schemas.microsoft.com/office/drawing/2014/main" id="{E6EAEDBF-02B9-B7BA-EB83-7A795FB1E71B}"/>
+                </a:ext>
+              </a:extLst>
+            </p:cNvPr>
+            <p:cNvPicPr>
+              <a:picLocks noChangeAspect="1"/>
+            </p:cNvPicPr>
+            <p:nvPr/>
+          </p:nvPicPr>
+          <p:blipFill>
+            <a:blip r:embed="rId2">
+              <a:extLst>
+                <a:ext uri="{28A0092B-C50C-407E-A947-70E740481C1C}">
+                  <a14:useLocalDpi xmlns:a14="http://schemas.microsoft.com/office/drawing/2010/main" val="0"/>
+                </a:ext>
+                <a:ext uri="{96DAC541-7B7A-43D3-8B79-37D633B846F1}">
+                  <asvg:svgBlip xmlns:asvg="http://schemas.microsoft.com/office/drawing/2016/SVG/main" r:embed="rId3"/>
+                </a:ext>
+              </a:extLst>
+            </a:blip>
+            <a:stretch>
+              <a:fillRect/>
+            </a:stretch>
+          </p:blipFill>
+          <p:spPr>
+            <a:xfrm>
+              <a:off x="7271605" y="4072316"/>
+              <a:ext cx="199964" cy="199964"/>
+            </a:xfrm>
+            <a:prstGeom prst="rect">
+              <a:avLst/>
+            </a:prstGeom>
+          </p:spPr>
+        </p:pic>
+        <p:pic>
+          <p:nvPicPr>
+            <p:cNvPr id="30" name="Gráfico 29" descr="Volume com preenchimento sólido">
+              <a:extLst>
+                <a:ext uri="{FF2B5EF4-FFF2-40B4-BE49-F238E27FC236}">
+                  <a16:creationId xmlns:a16="http://schemas.microsoft.com/office/drawing/2014/main" id="{3CCD42D5-4D75-69A9-AA72-8EC2C1FEBDBD}"/>
+                </a:ext>
+              </a:extLst>
+            </p:cNvPr>
+            <p:cNvPicPr>
+              <a:picLocks noChangeAspect="1"/>
+            </p:cNvPicPr>
+            <p:nvPr/>
+          </p:nvPicPr>
+          <p:blipFill>
+            <a:blip r:embed="rId4">
+              <a:extLst>
+                <a:ext uri="{28A0092B-C50C-407E-A947-70E740481C1C}">
+                  <a14:useLocalDpi xmlns:a14="http://schemas.microsoft.com/office/drawing/2010/main" val="0"/>
+                </a:ext>
+                <a:ext uri="{96DAC541-7B7A-43D3-8B79-37D633B846F1}">
+                  <asvg:svgBlip xmlns:asvg="http://schemas.microsoft.com/office/drawing/2016/SVG/main" r:embed="rId5"/>
+                </a:ext>
+              </a:extLst>
+            </a:blip>
+            <a:stretch>
+              <a:fillRect/>
+            </a:stretch>
+          </p:blipFill>
+          <p:spPr>
+            <a:xfrm>
+              <a:off x="7269987" y="2748280"/>
+              <a:ext cx="203200" cy="203200"/>
+            </a:xfrm>
+            <a:prstGeom prst="rect">
+              <a:avLst/>
+            </a:prstGeom>
+          </p:spPr>
+        </p:pic>
+      </p:grpSp>
+      <p:grpSp>
+        <p:nvGrpSpPr>
+          <p:cNvPr id="34" name="Agrupar 33">
+            <a:extLst>
+              <a:ext uri="{FF2B5EF4-FFF2-40B4-BE49-F238E27FC236}">
+                <a16:creationId xmlns:a16="http://schemas.microsoft.com/office/drawing/2014/main" id="{4B9D361C-FE72-9C6A-8741-F7C81CB03EF0}"/>
+              </a:ext>
+            </a:extLst>
+          </p:cNvPr>
+          <p:cNvGrpSpPr/>
+          <p:nvPr/>
+        </p:nvGrpSpPr>
+        <p:grpSpPr>
+          <a:xfrm>
+            <a:off x="7447280" y="1959372"/>
+            <a:ext cx="584200" cy="496304"/>
+            <a:chOff x="7335520" y="1959372"/>
+            <a:chExt cx="584200" cy="496304"/>
+          </a:xfrm>
+        </p:grpSpPr>
+        <p:sp>
+          <p:nvSpPr>
+            <p:cNvPr id="25" name="Elipse 24">
+              <a:extLst>
+                <a:ext uri="{FF2B5EF4-FFF2-40B4-BE49-F238E27FC236}">
+                  <a16:creationId xmlns:a16="http://schemas.microsoft.com/office/drawing/2014/main" id="{83968EF8-1D9B-787F-CC53-6EFDCDAC0ECD}"/>
+                </a:ext>
+              </a:extLst>
+            </p:cNvPr>
+            <p:cNvSpPr/>
+            <p:nvPr/>
+          </p:nvSpPr>
+          <p:spPr>
+            <a:xfrm>
+              <a:off x="7481505" y="2163445"/>
+              <a:ext cx="292231" cy="292231"/>
+            </a:xfrm>
+            <a:prstGeom prst="ellipse">
+              <a:avLst/>
+            </a:prstGeom>
+            <a:solidFill>
+              <a:schemeClr val="tx1"/>
+            </a:solidFill>
+            <a:ln w="28575">
+              <a:noFill/>
+            </a:ln>
+            <a:effectLst>
+              <a:outerShdw blurRad="50800" dist="38100" algn="l" rotWithShape="0">
+                <a:prstClr val="black">
+                  <a:alpha val="40000"/>
+                </a:prstClr>
+              </a:outerShdw>
+            </a:effectLst>
+            <a:scene3d>
+              <a:camera prst="obliqueBottomRight"/>
+              <a:lightRig rig="threePt" dir="t"/>
+            </a:scene3d>
+            <a:sp3d>
+              <a:bevelT/>
+            </a:sp3d>
+          </p:spPr>
+          <p:style>
+            <a:lnRef idx="2">
+              <a:schemeClr val="accent1">
+                <a:shade val="15000"/>
+              </a:schemeClr>
+            </a:lnRef>
+            <a:fillRef idx="1">
+              <a:schemeClr val="accent1"/>
+            </a:fillRef>
+            <a:effectRef idx="0">
+              <a:schemeClr val="accent1"/>
+            </a:effectRef>
+            <a:fontRef idx="minor">
+              <a:schemeClr val="lt1"/>
+            </a:fontRef>
+          </p:style>
+          <p:txBody>
+            <a:bodyPr rtlCol="0" anchor="ctr"/>
+            <a:lstStyle/>
+            <a:p>
+              <a:pPr algn="ctr"/>
+              <a:endParaRPr lang="pt-BR" dirty="0"/>
+            </a:p>
+          </p:txBody>
+        </p:sp>
+        <p:sp>
+          <p:nvSpPr>
+            <p:cNvPr id="32" name="CaixaDeTexto 31">
+              <a:extLst>
+                <a:ext uri="{FF2B5EF4-FFF2-40B4-BE49-F238E27FC236}">
+                  <a16:creationId xmlns:a16="http://schemas.microsoft.com/office/drawing/2014/main" id="{72BC3914-A5C7-6F59-D591-9DDC3BDCB97D}"/>
+                </a:ext>
+              </a:extLst>
+            </p:cNvPr>
+            <p:cNvSpPr txBox="1"/>
+            <p:nvPr/>
+          </p:nvSpPr>
+          <p:spPr>
+            <a:xfrm>
+              <a:off x="7335520" y="1959372"/>
+              <a:ext cx="584200" cy="230832"/>
+            </a:xfrm>
+            <a:prstGeom prst="rect">
+              <a:avLst/>
+            </a:prstGeom>
+            <a:noFill/>
+          </p:spPr>
+          <p:txBody>
+            <a:bodyPr wrap="square" rtlCol="0">
+              <a:spAutoFit/>
+            </a:bodyPr>
+            <a:lstStyle/>
+            <a:p>
+              <a:r>
+                <a:rPr lang="pt-BR" sz="900" b="1" dirty="0"/>
+                <a:t>ON/OFF</a:t>
+              </a:r>
             </a:p>
           </p:txBody>
         </p:sp>

--- a/img/modelo do projeto.pptx
+++ b/img/modelo do projeto.pptx
@@ -6,7 +6,7 @@
   </p:sldMasterIdLst>
   <p:sldIdLst>
     <p:sldId id="256" r:id="rId2"/>
-    <p:sldId id="258" r:id="rId3"/>
+    <p:sldId id="259" r:id="rId3"/>
   </p:sldIdLst>
   <p:sldSz cx="12192000" cy="6858000"/>
   <p:notesSz cx="6858000" cy="9144000"/>
@@ -3461,7 +3461,7 @@
                 <a:lightRig rig="threePt" dir="t"/>
               </a:scene3d>
               <a:sp3d>
-                <a:bevelT/>
+                <a:bevelT w="25400"/>
               </a:sp3d>
             </p:spPr>
             <p:style>
@@ -3520,7 +3520,7 @@
                 <a:lightRig rig="threePt" dir="t"/>
               </a:scene3d>
               <a:sp3d>
-                <a:bevelT/>
+                <a:bevelT w="25400"/>
               </a:sp3d>
             </p:spPr>
             <p:style>
@@ -3579,7 +3579,7 @@
                 <a:lightRig rig="threePt" dir="t"/>
               </a:scene3d>
               <a:sp3d>
-                <a:bevelT/>
+                <a:bevelT w="25400"/>
               </a:sp3d>
             </p:spPr>
             <p:style>
@@ -3638,7 +3638,7 @@
                 <a:lightRig rig="threePt" dir="t"/>
               </a:scene3d>
               <a:sp3d>
-                <a:bevelT/>
+                <a:bevelT w="25400"/>
               </a:sp3d>
             </p:spPr>
             <p:style>
@@ -3697,7 +3697,7 @@
                 <a:lightRig rig="threePt" dir="t"/>
               </a:scene3d>
               <a:sp3d>
-                <a:bevelT/>
+                <a:bevelT w="25400"/>
               </a:sp3d>
             </p:spPr>
             <p:style>
@@ -3756,7 +3756,7 @@
                 <a:lightRig rig="threePt" dir="t"/>
               </a:scene3d>
               <a:sp3d>
-                <a:bevelT/>
+                <a:bevelT w="25400"/>
               </a:sp3d>
             </p:spPr>
             <p:style>
@@ -3815,7 +3815,7 @@
                 <a:lightRig rig="threePt" dir="t"/>
               </a:scene3d>
               <a:sp3d>
-                <a:bevelT/>
+                <a:bevelT w="25400"/>
               </a:sp3d>
             </p:spPr>
             <p:style>
@@ -3895,7 +3895,7 @@
                 <a:lightRig rig="threePt" dir="t"/>
               </a:scene3d>
               <a:sp3d>
-                <a:bevelT/>
+                <a:bevelT w="25400"/>
               </a:sp3d>
             </p:spPr>
             <p:style>
@@ -3954,7 +3954,7 @@
                 <a:lightRig rig="threePt" dir="t"/>
               </a:scene3d>
               <a:sp3d>
-                <a:bevelT/>
+                <a:bevelT w="25400"/>
               </a:sp3d>
             </p:spPr>
             <p:style>
@@ -4013,7 +4013,7 @@
                 <a:lightRig rig="threePt" dir="t"/>
               </a:scene3d>
               <a:sp3d>
-                <a:bevelT/>
+                <a:bevelT w="25400"/>
               </a:sp3d>
             </p:spPr>
             <p:style>
@@ -4072,7 +4072,7 @@
                 <a:lightRig rig="threePt" dir="t"/>
               </a:scene3d>
               <a:sp3d>
-                <a:bevelT/>
+                <a:bevelT w="25400"/>
               </a:sp3d>
             </p:spPr>
             <p:style>
@@ -4131,7 +4131,7 @@
                 <a:lightRig rig="threePt" dir="t"/>
               </a:scene3d>
               <a:sp3d>
-                <a:bevelT/>
+                <a:bevelT w="25400"/>
               </a:sp3d>
             </p:spPr>
             <p:style>
@@ -4163,10 +4163,10 @@
       </p:grpSp>
       <p:grpSp>
         <p:nvGrpSpPr>
-          <p:cNvPr id="26" name="Agrupar 25">
-            <a:extLst>
-              <a:ext uri="{FF2B5EF4-FFF2-40B4-BE49-F238E27FC236}">
-                <a16:creationId xmlns:a16="http://schemas.microsoft.com/office/drawing/2014/main" id="{81C8DAF4-DF03-CF7D-5E8C-3BF6937C6562}"/>
+          <p:cNvPr id="2" name="Agrupar 1">
+            <a:extLst>
+              <a:ext uri="{FF2B5EF4-FFF2-40B4-BE49-F238E27FC236}">
+                <a16:creationId xmlns:a16="http://schemas.microsoft.com/office/drawing/2014/main" id="{7920ED15-BB5D-43DE-C140-256AA3DD3EE2}"/>
               </a:ext>
             </a:extLst>
           </p:cNvPr>
@@ -4176,9 +4176,9 @@
         <p:grpSpPr>
           <a:xfrm>
             <a:off x="3708410" y="2142109"/>
-            <a:ext cx="1311646" cy="232654"/>
+            <a:ext cx="772150" cy="232654"/>
             <a:chOff x="3708410" y="2142109"/>
-            <a:chExt cx="1311646" cy="232654"/>
+            <a:chExt cx="772150" cy="232654"/>
           </a:xfrm>
         </p:grpSpPr>
         <p:sp>
@@ -4285,77 +4285,6 @@
                   <a:satMod val="175000"/>
                   <a:alpha val="40000"/>
                 </a:schemeClr>
-              </a:glow>
-              <a:outerShdw blurRad="50800" dist="38100" algn="l" rotWithShape="0">
-                <a:prstClr val="black">
-                  <a:alpha val="40000"/>
-                </a:prstClr>
-              </a:outerShdw>
-            </a:effectLst>
-            <a:scene3d>
-              <a:camera prst="obliqueBottomRight"/>
-              <a:lightRig rig="threePt" dir="t"/>
-            </a:scene3d>
-            <a:sp3d>
-              <a:bevelT/>
-            </a:sp3d>
-          </p:spPr>
-          <p:style>
-            <a:lnRef idx="2">
-              <a:schemeClr val="accent1">
-                <a:shade val="15000"/>
-              </a:schemeClr>
-            </a:lnRef>
-            <a:fillRef idx="1">
-              <a:schemeClr val="accent1"/>
-            </a:fillRef>
-            <a:effectRef idx="0">
-              <a:schemeClr val="accent1"/>
-            </a:effectRef>
-            <a:fontRef idx="minor">
-              <a:schemeClr val="lt1"/>
-            </a:fontRef>
-          </p:style>
-          <p:txBody>
-            <a:bodyPr rtlCol="0" anchor="ctr"/>
-            <a:lstStyle/>
-            <a:p>
-              <a:pPr algn="ctr"/>
-              <a:endParaRPr lang="pt-BR" dirty="0"/>
-            </a:p>
-          </p:txBody>
-        </p:sp>
-        <p:sp>
-          <p:nvSpPr>
-            <p:cNvPr id="19" name="Elipse 18">
-              <a:extLst>
-                <a:ext uri="{FF2B5EF4-FFF2-40B4-BE49-F238E27FC236}">
-                  <a16:creationId xmlns:a16="http://schemas.microsoft.com/office/drawing/2014/main" id="{F34327AA-A256-5EC2-0D03-C510960D693B}"/>
-                </a:ext>
-              </a:extLst>
-            </p:cNvPr>
-            <p:cNvSpPr/>
-            <p:nvPr/>
-          </p:nvSpPr>
-          <p:spPr>
-            <a:xfrm>
-              <a:off x="4787402" y="2142109"/>
-              <a:ext cx="232654" cy="232654"/>
-            </a:xfrm>
-            <a:prstGeom prst="ellipse">
-              <a:avLst/>
-            </a:prstGeom>
-            <a:solidFill>
-              <a:srgbClr val="FF0000"/>
-            </a:solidFill>
-            <a:ln w="28575">
-              <a:noFill/>
-            </a:ln>
-            <a:effectLst>
-              <a:glow rad="228600">
-                <a:srgbClr val="FF0000">
-                  <a:alpha val="40000"/>
-                </a:srgbClr>
               </a:glow>
               <a:outerShdw blurRad="50800" dist="38100" algn="l" rotWithShape="0">
                 <a:prstClr val="black">
@@ -4706,7 +4635,7 @@
               <a:lightRig rig="threePt" dir="t"/>
             </a:scene3d>
             <a:sp3d>
-              <a:bevelT/>
+              <a:bevelT w="25400"/>
             </a:sp3d>
           </p:spPr>
           <p:style>
@@ -4755,6 +4684,13 @@
               <a:avLst/>
             </a:prstGeom>
             <a:noFill/>
+            <a:scene3d>
+              <a:camera prst="orthographicFront"/>
+              <a:lightRig rig="threePt" dir="t"/>
+            </a:scene3d>
+            <a:sp3d>
+              <a:bevelT w="25400"/>
+            </a:sp3d>
           </p:spPr>
           <p:txBody>
             <a:bodyPr wrap="square" rtlCol="0">
@@ -4825,19 +4761,12 @@
               <a:alpha val="61961"/>
             </a:srgbClr>
           </a:solidFill>
-          <a:ln w="28575">
+          <a:ln w="12700">
             <a:solidFill>
               <a:schemeClr val="tx1"/>
             </a:solidFill>
           </a:ln>
           <a:effectLst/>
-          <a:scene3d>
-            <a:camera prst="obliqueBottomRight"/>
-            <a:lightRig rig="threePt" dir="t"/>
-          </a:scene3d>
-          <a:sp3d>
-            <a:bevelB h="57150"/>
-          </a:sp3d>
         </p:spPr>
         <p:style>
           <a:lnRef idx="2">
@@ -4866,10 +4795,10 @@
       </p:sp>
       <p:grpSp>
         <p:nvGrpSpPr>
-          <p:cNvPr id="3" name="Agrupar 2">
-            <a:extLst>
-              <a:ext uri="{FF2B5EF4-FFF2-40B4-BE49-F238E27FC236}">
-                <a16:creationId xmlns:a16="http://schemas.microsoft.com/office/drawing/2014/main" id="{09D0C557-DF76-2412-8A3D-936D65FD9474}"/>
+          <p:cNvPr id="35" name="Agrupar 34">
+            <a:extLst>
+              <a:ext uri="{FF2B5EF4-FFF2-40B4-BE49-F238E27FC236}">
+                <a16:creationId xmlns:a16="http://schemas.microsoft.com/office/drawing/2014/main" id="{BDB4DCDE-E2D8-6ECB-15A6-DB42BDA13F59}"/>
               </a:ext>
             </a:extLst>
           </p:cNvPr>
@@ -4878,966 +4807,709 @@
         </p:nvGrpSpPr>
         <p:grpSpPr>
           <a:xfrm>
-            <a:off x="3828279" y="3839065"/>
-            <a:ext cx="3234544" cy="292231"/>
-            <a:chOff x="3828279" y="3839065"/>
-            <a:chExt cx="3234544" cy="292231"/>
+            <a:off x="3828279" y="3321376"/>
+            <a:ext cx="3234544" cy="809920"/>
+            <a:chOff x="3828279" y="3321376"/>
+            <a:chExt cx="3234544" cy="809920"/>
           </a:xfrm>
         </p:grpSpPr>
-        <p:sp>
-          <p:nvSpPr>
-            <p:cNvPr id="5" name="Elipse 4">
+        <p:grpSp>
+          <p:nvGrpSpPr>
+            <p:cNvPr id="3" name="Agrupar 2">
               <a:extLst>
                 <a:ext uri="{FF2B5EF4-FFF2-40B4-BE49-F238E27FC236}">
-                  <a16:creationId xmlns:a16="http://schemas.microsoft.com/office/drawing/2014/main" id="{71C21397-53C7-BFFE-E81F-2E7BFA514576}"/>
+                  <a16:creationId xmlns:a16="http://schemas.microsoft.com/office/drawing/2014/main" id="{09D0C557-DF76-2412-8A3D-936D65FD9474}"/>
                 </a:ext>
               </a:extLst>
             </p:cNvPr>
-            <p:cNvSpPr/>
+            <p:cNvGrpSpPr/>
             <p:nvPr/>
-          </p:nvSpPr>
-          <p:spPr>
+          </p:nvGrpSpPr>
+          <p:grpSpPr>
             <a:xfrm>
               <a:off x="3828279" y="3839065"/>
-              <a:ext cx="292195" cy="292231"/>
+              <a:ext cx="3234544" cy="292231"/>
+              <a:chOff x="3828279" y="3839065"/>
+              <a:chExt cx="3234544" cy="292231"/>
             </a:xfrm>
-            <a:prstGeom prst="ellipse">
-              <a:avLst/>
-            </a:prstGeom>
-            <a:solidFill>
-              <a:srgbClr val="FF0000"/>
-            </a:solidFill>
-            <a:ln w="28575">
+          </p:grpSpPr>
+          <p:sp>
+            <p:nvSpPr>
+              <p:cNvPr id="5" name="Elipse 4">
+                <a:extLst>
+                  <a:ext uri="{FF2B5EF4-FFF2-40B4-BE49-F238E27FC236}">
+                    <a16:creationId xmlns:a16="http://schemas.microsoft.com/office/drawing/2014/main" id="{71C21397-53C7-BFFE-E81F-2E7BFA514576}"/>
+                  </a:ext>
+                </a:extLst>
+              </p:cNvPr>
+              <p:cNvSpPr/>
+              <p:nvPr/>
+            </p:nvSpPr>
+            <p:spPr>
+              <a:xfrm>
+                <a:off x="3828279" y="3839065"/>
+                <a:ext cx="292195" cy="292231"/>
+              </a:xfrm>
+              <a:prstGeom prst="ellipse">
+                <a:avLst/>
+              </a:prstGeom>
               <a:solidFill>
-                <a:schemeClr val="tx1"/>
+                <a:srgbClr val="FF0000"/>
               </a:solidFill>
-            </a:ln>
-            <a:scene3d>
-              <a:camera prst="obliqueBottomRight"/>
-              <a:lightRig rig="threePt" dir="t"/>
-            </a:scene3d>
-            <a:sp3d/>
-          </p:spPr>
-          <p:style>
-            <a:lnRef idx="2">
-              <a:schemeClr val="accent1">
-                <a:shade val="15000"/>
-              </a:schemeClr>
-            </a:lnRef>
-            <a:fillRef idx="1">
-              <a:schemeClr val="accent1"/>
-            </a:fillRef>
-            <a:effectRef idx="0">
-              <a:schemeClr val="accent1"/>
-            </a:effectRef>
-            <a:fontRef idx="minor">
-              <a:schemeClr val="lt1"/>
-            </a:fontRef>
-          </p:style>
-          <p:txBody>
-            <a:bodyPr rtlCol="0" anchor="ctr"/>
-            <a:lstStyle/>
-            <a:p>
-              <a:pPr algn="ctr"/>
-              <a:endParaRPr lang="pt-BR"/>
-            </a:p>
-          </p:txBody>
-        </p:sp>
-        <p:sp>
-          <p:nvSpPr>
-            <p:cNvPr id="7" name="Elipse 6">
+              <a:ln w="12700">
+                <a:solidFill>
+                  <a:schemeClr val="tx1"/>
+                </a:solidFill>
+              </a:ln>
+            </p:spPr>
+            <p:style>
+              <a:lnRef idx="2">
+                <a:schemeClr val="accent1">
+                  <a:shade val="15000"/>
+                </a:schemeClr>
+              </a:lnRef>
+              <a:fillRef idx="1">
+                <a:schemeClr val="accent1"/>
+              </a:fillRef>
+              <a:effectRef idx="0">
+                <a:schemeClr val="accent1"/>
+              </a:effectRef>
+              <a:fontRef idx="minor">
+                <a:schemeClr val="lt1"/>
+              </a:fontRef>
+            </p:style>
+            <p:txBody>
+              <a:bodyPr rtlCol="0" anchor="ctr"/>
+              <a:lstStyle/>
+              <a:p>
+                <a:pPr algn="ctr"/>
+                <a:endParaRPr lang="pt-BR"/>
+              </a:p>
+            </p:txBody>
+          </p:sp>
+          <p:sp>
+            <p:nvSpPr>
+              <p:cNvPr id="7" name="Elipse 6">
+                <a:extLst>
+                  <a:ext uri="{FF2B5EF4-FFF2-40B4-BE49-F238E27FC236}">
+                    <a16:creationId xmlns:a16="http://schemas.microsoft.com/office/drawing/2014/main" id="{DAC61928-0B9F-6591-570D-B2B8DAF191CB}"/>
+                  </a:ext>
+                </a:extLst>
+              </p:cNvPr>
+              <p:cNvSpPr/>
+              <p:nvPr/>
+            </p:nvSpPr>
+            <p:spPr>
+              <a:xfrm>
+                <a:off x="4318671" y="3839065"/>
+                <a:ext cx="292195" cy="292231"/>
+              </a:xfrm>
+              <a:prstGeom prst="ellipse">
+                <a:avLst/>
+              </a:prstGeom>
+              <a:solidFill>
+                <a:srgbClr val="FF0000"/>
+              </a:solidFill>
+              <a:ln w="12700">
+                <a:solidFill>
+                  <a:schemeClr val="tx1"/>
+                </a:solidFill>
+              </a:ln>
+            </p:spPr>
+            <p:style>
+              <a:lnRef idx="2">
+                <a:schemeClr val="accent1">
+                  <a:shade val="15000"/>
+                </a:schemeClr>
+              </a:lnRef>
+              <a:fillRef idx="1">
+                <a:schemeClr val="accent1"/>
+              </a:fillRef>
+              <a:effectRef idx="0">
+                <a:schemeClr val="accent1"/>
+              </a:effectRef>
+              <a:fontRef idx="minor">
+                <a:schemeClr val="lt1"/>
+              </a:fontRef>
+            </p:style>
+            <p:txBody>
+              <a:bodyPr rtlCol="0" anchor="ctr"/>
+              <a:lstStyle/>
+              <a:p>
+                <a:pPr algn="ctr"/>
+                <a:endParaRPr lang="pt-BR" dirty="0"/>
+              </a:p>
+            </p:txBody>
+          </p:sp>
+          <p:sp>
+            <p:nvSpPr>
+              <p:cNvPr id="8" name="Elipse 7">
+                <a:extLst>
+                  <a:ext uri="{FF2B5EF4-FFF2-40B4-BE49-F238E27FC236}">
+                    <a16:creationId xmlns:a16="http://schemas.microsoft.com/office/drawing/2014/main" id="{C09E5B8C-B60B-C888-F290-E660CD50C5B7}"/>
+                  </a:ext>
+                </a:extLst>
+              </p:cNvPr>
+              <p:cNvSpPr/>
+              <p:nvPr/>
+            </p:nvSpPr>
+            <p:spPr>
+              <a:xfrm>
+                <a:off x="4809063" y="3839065"/>
+                <a:ext cx="292195" cy="292231"/>
+              </a:xfrm>
+              <a:prstGeom prst="ellipse">
+                <a:avLst/>
+              </a:prstGeom>
+              <a:solidFill>
+                <a:srgbClr val="FF0000"/>
+              </a:solidFill>
+              <a:ln w="12700">
+                <a:solidFill>
+                  <a:schemeClr val="tx1"/>
+                </a:solidFill>
+              </a:ln>
+            </p:spPr>
+            <p:style>
+              <a:lnRef idx="2">
+                <a:schemeClr val="accent1">
+                  <a:shade val="15000"/>
+                </a:schemeClr>
+              </a:lnRef>
+              <a:fillRef idx="1">
+                <a:schemeClr val="accent1"/>
+              </a:fillRef>
+              <a:effectRef idx="0">
+                <a:schemeClr val="accent1"/>
+              </a:effectRef>
+              <a:fontRef idx="minor">
+                <a:schemeClr val="lt1"/>
+              </a:fontRef>
+            </p:style>
+            <p:txBody>
+              <a:bodyPr rtlCol="0" anchor="ctr"/>
+              <a:lstStyle/>
+              <a:p>
+                <a:pPr algn="ctr"/>
+                <a:endParaRPr lang="pt-BR" dirty="0"/>
+              </a:p>
+            </p:txBody>
+          </p:sp>
+          <p:sp>
+            <p:nvSpPr>
+              <p:cNvPr id="9" name="Elipse 8">
+                <a:extLst>
+                  <a:ext uri="{FF2B5EF4-FFF2-40B4-BE49-F238E27FC236}">
+                    <a16:creationId xmlns:a16="http://schemas.microsoft.com/office/drawing/2014/main" id="{F835A139-95D9-9638-EB56-F963CF2E70B3}"/>
+                  </a:ext>
+                </a:extLst>
+              </p:cNvPr>
+              <p:cNvSpPr/>
+              <p:nvPr/>
+            </p:nvSpPr>
+            <p:spPr>
+              <a:xfrm>
+                <a:off x="5299455" y="3839065"/>
+                <a:ext cx="292195" cy="292231"/>
+              </a:xfrm>
+              <a:prstGeom prst="ellipse">
+                <a:avLst/>
+              </a:prstGeom>
+              <a:solidFill>
+                <a:srgbClr val="FF0000"/>
+              </a:solidFill>
+              <a:ln w="12700">
+                <a:solidFill>
+                  <a:schemeClr val="tx1"/>
+                </a:solidFill>
+              </a:ln>
+            </p:spPr>
+            <p:style>
+              <a:lnRef idx="2">
+                <a:schemeClr val="accent1">
+                  <a:shade val="15000"/>
+                </a:schemeClr>
+              </a:lnRef>
+              <a:fillRef idx="1">
+                <a:schemeClr val="accent1"/>
+              </a:fillRef>
+              <a:effectRef idx="0">
+                <a:schemeClr val="accent1"/>
+              </a:effectRef>
+              <a:fontRef idx="minor">
+                <a:schemeClr val="lt1"/>
+              </a:fontRef>
+            </p:style>
+            <p:txBody>
+              <a:bodyPr rtlCol="0" anchor="ctr"/>
+              <a:lstStyle/>
+              <a:p>
+                <a:pPr algn="ctr"/>
+                <a:endParaRPr lang="pt-BR" dirty="0"/>
+              </a:p>
+            </p:txBody>
+          </p:sp>
+          <p:sp>
+            <p:nvSpPr>
+              <p:cNvPr id="10" name="Elipse 9">
+                <a:extLst>
+                  <a:ext uri="{FF2B5EF4-FFF2-40B4-BE49-F238E27FC236}">
+                    <a16:creationId xmlns:a16="http://schemas.microsoft.com/office/drawing/2014/main" id="{A20E0A17-FC71-6B9D-CEE9-53672A0BBF8E}"/>
+                  </a:ext>
+                </a:extLst>
+              </p:cNvPr>
+              <p:cNvSpPr/>
+              <p:nvPr/>
+            </p:nvSpPr>
+            <p:spPr>
+              <a:xfrm>
+                <a:off x="5789847" y="3839065"/>
+                <a:ext cx="292195" cy="292231"/>
+              </a:xfrm>
+              <a:prstGeom prst="ellipse">
+                <a:avLst/>
+              </a:prstGeom>
+              <a:solidFill>
+                <a:srgbClr val="FF0000"/>
+              </a:solidFill>
+              <a:ln w="12700">
+                <a:solidFill>
+                  <a:schemeClr val="tx1"/>
+                </a:solidFill>
+              </a:ln>
+            </p:spPr>
+            <p:style>
+              <a:lnRef idx="2">
+                <a:schemeClr val="accent1">
+                  <a:shade val="15000"/>
+                </a:schemeClr>
+              </a:lnRef>
+              <a:fillRef idx="1">
+                <a:schemeClr val="accent1"/>
+              </a:fillRef>
+              <a:effectRef idx="0">
+                <a:schemeClr val="accent1"/>
+              </a:effectRef>
+              <a:fontRef idx="minor">
+                <a:schemeClr val="lt1"/>
+              </a:fontRef>
+            </p:style>
+            <p:txBody>
+              <a:bodyPr rtlCol="0" anchor="ctr"/>
+              <a:lstStyle/>
+              <a:p>
+                <a:pPr algn="ctr"/>
+                <a:endParaRPr lang="pt-BR"/>
+              </a:p>
+            </p:txBody>
+          </p:sp>
+          <p:sp>
+            <p:nvSpPr>
+              <p:cNvPr id="11" name="Elipse 10">
+                <a:extLst>
+                  <a:ext uri="{FF2B5EF4-FFF2-40B4-BE49-F238E27FC236}">
+                    <a16:creationId xmlns:a16="http://schemas.microsoft.com/office/drawing/2014/main" id="{81F5B572-3ACD-6AB8-CE7C-1D6D3DC30C3F}"/>
+                  </a:ext>
+                </a:extLst>
+              </p:cNvPr>
+              <p:cNvSpPr/>
+              <p:nvPr/>
+            </p:nvSpPr>
+            <p:spPr>
+              <a:xfrm>
+                <a:off x="6280239" y="3839065"/>
+                <a:ext cx="292195" cy="292231"/>
+              </a:xfrm>
+              <a:prstGeom prst="ellipse">
+                <a:avLst/>
+              </a:prstGeom>
+              <a:solidFill>
+                <a:srgbClr val="FF0000"/>
+              </a:solidFill>
+              <a:ln w="12700">
+                <a:solidFill>
+                  <a:schemeClr val="tx1"/>
+                </a:solidFill>
+              </a:ln>
+            </p:spPr>
+            <p:style>
+              <a:lnRef idx="2">
+                <a:schemeClr val="accent1">
+                  <a:shade val="15000"/>
+                </a:schemeClr>
+              </a:lnRef>
+              <a:fillRef idx="1">
+                <a:schemeClr val="accent1"/>
+              </a:fillRef>
+              <a:effectRef idx="0">
+                <a:schemeClr val="accent1"/>
+              </a:effectRef>
+              <a:fontRef idx="minor">
+                <a:schemeClr val="lt1"/>
+              </a:fontRef>
+            </p:style>
+            <p:txBody>
+              <a:bodyPr rtlCol="0" anchor="ctr"/>
+              <a:lstStyle/>
+              <a:p>
+                <a:pPr algn="ctr"/>
+                <a:endParaRPr lang="pt-BR"/>
+              </a:p>
+            </p:txBody>
+          </p:sp>
+          <p:sp>
+            <p:nvSpPr>
+              <p:cNvPr id="12" name="Elipse 11">
+                <a:extLst>
+                  <a:ext uri="{FF2B5EF4-FFF2-40B4-BE49-F238E27FC236}">
+                    <a16:creationId xmlns:a16="http://schemas.microsoft.com/office/drawing/2014/main" id="{DF9439AE-EF14-BEE7-8DB5-4958D8A1ABF5}"/>
+                  </a:ext>
+                </a:extLst>
+              </p:cNvPr>
+              <p:cNvSpPr/>
+              <p:nvPr/>
+            </p:nvSpPr>
+            <p:spPr>
+              <a:xfrm>
+                <a:off x="6770628" y="3839065"/>
+                <a:ext cx="292195" cy="292231"/>
+              </a:xfrm>
+              <a:prstGeom prst="ellipse">
+                <a:avLst/>
+              </a:prstGeom>
+              <a:solidFill>
+                <a:srgbClr val="FF0000"/>
+              </a:solidFill>
+              <a:ln w="12700">
+                <a:solidFill>
+                  <a:schemeClr val="tx1"/>
+                </a:solidFill>
+              </a:ln>
+            </p:spPr>
+            <p:style>
+              <a:lnRef idx="2">
+                <a:schemeClr val="accent1">
+                  <a:shade val="15000"/>
+                </a:schemeClr>
+              </a:lnRef>
+              <a:fillRef idx="1">
+                <a:schemeClr val="accent1"/>
+              </a:fillRef>
+              <a:effectRef idx="0">
+                <a:schemeClr val="accent1"/>
+              </a:effectRef>
+              <a:fontRef idx="minor">
+                <a:schemeClr val="lt1"/>
+              </a:fontRef>
+            </p:style>
+            <p:txBody>
+              <a:bodyPr rtlCol="0" anchor="ctr"/>
+              <a:lstStyle/>
+              <a:p>
+                <a:pPr algn="ctr"/>
+                <a:endParaRPr lang="pt-BR" dirty="0"/>
+              </a:p>
+            </p:txBody>
+          </p:sp>
+        </p:grpSp>
+        <p:grpSp>
+          <p:nvGrpSpPr>
+            <p:cNvPr id="13" name="Agrupar 12">
               <a:extLst>
                 <a:ext uri="{FF2B5EF4-FFF2-40B4-BE49-F238E27FC236}">
-                  <a16:creationId xmlns:a16="http://schemas.microsoft.com/office/drawing/2014/main" id="{DAC61928-0B9F-6591-570D-B2B8DAF191CB}"/>
+                  <a16:creationId xmlns:a16="http://schemas.microsoft.com/office/drawing/2014/main" id="{3AF23367-7538-A973-9D01-A58500CBF65C}"/>
                 </a:ext>
               </a:extLst>
             </p:cNvPr>
-            <p:cNvSpPr/>
+            <p:cNvGrpSpPr/>
             <p:nvPr/>
-          </p:nvSpPr>
-          <p:spPr>
+          </p:nvGrpSpPr>
+          <p:grpSpPr>
             <a:xfrm>
-              <a:off x="4318671" y="3839065"/>
-              <a:ext cx="292195" cy="292231"/>
+              <a:off x="4073457" y="3321376"/>
+              <a:ext cx="2744190" cy="292231"/>
+              <a:chOff x="4073457" y="3321376"/>
+              <a:chExt cx="2744190" cy="292231"/>
             </a:xfrm>
-            <a:prstGeom prst="ellipse">
-              <a:avLst/>
-            </a:prstGeom>
-            <a:solidFill>
-              <a:srgbClr val="FF0000"/>
-            </a:solidFill>
-            <a:ln w="28575">
+          </p:grpSpPr>
+          <p:sp>
+            <p:nvSpPr>
+              <p:cNvPr id="6" name="Elipse 5">
+                <a:extLst>
+                  <a:ext uri="{FF2B5EF4-FFF2-40B4-BE49-F238E27FC236}">
+                    <a16:creationId xmlns:a16="http://schemas.microsoft.com/office/drawing/2014/main" id="{2F956EC9-48E6-DA50-26D1-A2A5AF24CC3F}"/>
+                  </a:ext>
+                </a:extLst>
+              </p:cNvPr>
+              <p:cNvSpPr/>
+              <p:nvPr/>
+            </p:nvSpPr>
+            <p:spPr>
+              <a:xfrm>
+                <a:off x="4073457" y="3321376"/>
+                <a:ext cx="292231" cy="292231"/>
+              </a:xfrm>
+              <a:prstGeom prst="ellipse">
+                <a:avLst/>
+              </a:prstGeom>
               <a:solidFill>
-                <a:schemeClr val="tx1"/>
+                <a:schemeClr val="accent6"/>
               </a:solidFill>
-            </a:ln>
-            <a:scene3d>
-              <a:camera prst="obliqueBottomRight"/>
-              <a:lightRig rig="threePt" dir="t"/>
-            </a:scene3d>
-            <a:sp3d/>
-          </p:spPr>
-          <p:style>
-            <a:lnRef idx="2">
-              <a:schemeClr val="accent1">
-                <a:shade val="15000"/>
-              </a:schemeClr>
-            </a:lnRef>
-            <a:fillRef idx="1">
-              <a:schemeClr val="accent1"/>
-            </a:fillRef>
-            <a:effectRef idx="0">
-              <a:schemeClr val="accent1"/>
-            </a:effectRef>
-            <a:fontRef idx="minor">
-              <a:schemeClr val="lt1"/>
-            </a:fontRef>
-          </p:style>
-          <p:txBody>
-            <a:bodyPr rtlCol="0" anchor="ctr"/>
-            <a:lstStyle/>
-            <a:p>
-              <a:pPr algn="ctr"/>
-              <a:endParaRPr lang="pt-BR" dirty="0"/>
-            </a:p>
-          </p:txBody>
-        </p:sp>
-        <p:sp>
-          <p:nvSpPr>
-            <p:cNvPr id="8" name="Elipse 7">
-              <a:extLst>
-                <a:ext uri="{FF2B5EF4-FFF2-40B4-BE49-F238E27FC236}">
-                  <a16:creationId xmlns:a16="http://schemas.microsoft.com/office/drawing/2014/main" id="{C09E5B8C-B60B-C888-F290-E660CD50C5B7}"/>
-                </a:ext>
-              </a:extLst>
-            </p:cNvPr>
-            <p:cNvSpPr/>
-            <p:nvPr/>
-          </p:nvSpPr>
-          <p:spPr>
-            <a:xfrm>
-              <a:off x="4809063" y="3839065"/>
-              <a:ext cx="292195" cy="292231"/>
-            </a:xfrm>
-            <a:prstGeom prst="ellipse">
-              <a:avLst/>
-            </a:prstGeom>
-            <a:solidFill>
-              <a:srgbClr val="FF0000"/>
-            </a:solidFill>
-            <a:ln w="28575">
+              <a:ln w="12700">
+                <a:solidFill>
+                  <a:schemeClr val="tx1"/>
+                </a:solidFill>
+              </a:ln>
+            </p:spPr>
+            <p:style>
+              <a:lnRef idx="2">
+                <a:schemeClr val="accent1">
+                  <a:shade val="15000"/>
+                </a:schemeClr>
+              </a:lnRef>
+              <a:fillRef idx="1">
+                <a:schemeClr val="accent1"/>
+              </a:fillRef>
+              <a:effectRef idx="0">
+                <a:schemeClr val="accent1"/>
+              </a:effectRef>
+              <a:fontRef idx="minor">
+                <a:schemeClr val="lt1"/>
+              </a:fontRef>
+            </p:style>
+            <p:txBody>
+              <a:bodyPr rtlCol="0" anchor="ctr"/>
+              <a:lstStyle/>
+              <a:p>
+                <a:pPr algn="ctr"/>
+                <a:endParaRPr lang="pt-BR"/>
+              </a:p>
+            </p:txBody>
+          </p:sp>
+          <p:sp>
+            <p:nvSpPr>
+              <p:cNvPr id="14" name="Elipse 13">
+                <a:extLst>
+                  <a:ext uri="{FF2B5EF4-FFF2-40B4-BE49-F238E27FC236}">
+                    <a16:creationId xmlns:a16="http://schemas.microsoft.com/office/drawing/2014/main" id="{F6953C24-29E1-30E9-A989-2FFF31BA28CE}"/>
+                  </a:ext>
+                </a:extLst>
+              </p:cNvPr>
+              <p:cNvSpPr/>
+              <p:nvPr/>
+            </p:nvSpPr>
+            <p:spPr>
+              <a:xfrm>
+                <a:off x="4563849" y="3321376"/>
+                <a:ext cx="292231" cy="292231"/>
+              </a:xfrm>
+              <a:prstGeom prst="ellipse">
+                <a:avLst/>
+              </a:prstGeom>
               <a:solidFill>
-                <a:schemeClr val="tx1"/>
+                <a:schemeClr val="accent6"/>
               </a:solidFill>
-            </a:ln>
-            <a:scene3d>
-              <a:camera prst="obliqueBottomRight"/>
-              <a:lightRig rig="threePt" dir="t"/>
-            </a:scene3d>
-            <a:sp3d/>
-          </p:spPr>
-          <p:style>
-            <a:lnRef idx="2">
-              <a:schemeClr val="accent1">
-                <a:shade val="15000"/>
-              </a:schemeClr>
-            </a:lnRef>
-            <a:fillRef idx="1">
-              <a:schemeClr val="accent1"/>
-            </a:fillRef>
-            <a:effectRef idx="0">
-              <a:schemeClr val="accent1"/>
-            </a:effectRef>
-            <a:fontRef idx="minor">
-              <a:schemeClr val="lt1"/>
-            </a:fontRef>
-          </p:style>
-          <p:txBody>
-            <a:bodyPr rtlCol="0" anchor="ctr"/>
-            <a:lstStyle/>
-            <a:p>
-              <a:pPr algn="ctr"/>
-              <a:endParaRPr lang="pt-BR" dirty="0"/>
-            </a:p>
-          </p:txBody>
-        </p:sp>
-        <p:sp>
-          <p:nvSpPr>
-            <p:cNvPr id="9" name="Elipse 8">
-              <a:extLst>
-                <a:ext uri="{FF2B5EF4-FFF2-40B4-BE49-F238E27FC236}">
-                  <a16:creationId xmlns:a16="http://schemas.microsoft.com/office/drawing/2014/main" id="{F835A139-95D9-9638-EB56-F963CF2E70B3}"/>
-                </a:ext>
-              </a:extLst>
-            </p:cNvPr>
-            <p:cNvSpPr/>
-            <p:nvPr/>
-          </p:nvSpPr>
-          <p:spPr>
-            <a:xfrm>
-              <a:off x="5299455" y="3839065"/>
-              <a:ext cx="292195" cy="292231"/>
-            </a:xfrm>
-            <a:prstGeom prst="ellipse">
-              <a:avLst/>
-            </a:prstGeom>
-            <a:solidFill>
-              <a:srgbClr val="FF0000"/>
-            </a:solidFill>
-            <a:ln w="28575">
+              <a:ln w="12700">
+                <a:solidFill>
+                  <a:schemeClr val="tx1"/>
+                </a:solidFill>
+              </a:ln>
+            </p:spPr>
+            <p:style>
+              <a:lnRef idx="2">
+                <a:schemeClr val="accent1">
+                  <a:shade val="15000"/>
+                </a:schemeClr>
+              </a:lnRef>
+              <a:fillRef idx="1">
+                <a:schemeClr val="accent1"/>
+              </a:fillRef>
+              <a:effectRef idx="0">
+                <a:schemeClr val="accent1"/>
+              </a:effectRef>
+              <a:fontRef idx="minor">
+                <a:schemeClr val="lt1"/>
+              </a:fontRef>
+            </p:style>
+            <p:txBody>
+              <a:bodyPr rtlCol="0" anchor="ctr"/>
+              <a:lstStyle/>
+              <a:p>
+                <a:pPr algn="ctr"/>
+                <a:endParaRPr lang="pt-BR"/>
+              </a:p>
+            </p:txBody>
+          </p:sp>
+          <p:sp>
+            <p:nvSpPr>
+              <p:cNvPr id="15" name="Elipse 14">
+                <a:extLst>
+                  <a:ext uri="{FF2B5EF4-FFF2-40B4-BE49-F238E27FC236}">
+                    <a16:creationId xmlns:a16="http://schemas.microsoft.com/office/drawing/2014/main" id="{512BDDE2-1F14-7A02-5ACF-ED7BACAE9B05}"/>
+                  </a:ext>
+                </a:extLst>
+              </p:cNvPr>
+              <p:cNvSpPr/>
+              <p:nvPr/>
+            </p:nvSpPr>
+            <p:spPr>
+              <a:xfrm>
+                <a:off x="5544633" y="3321376"/>
+                <a:ext cx="292231" cy="292231"/>
+              </a:xfrm>
+              <a:prstGeom prst="ellipse">
+                <a:avLst/>
+              </a:prstGeom>
               <a:solidFill>
-                <a:schemeClr val="tx1"/>
+                <a:schemeClr val="accent6"/>
               </a:solidFill>
-            </a:ln>
-            <a:scene3d>
-              <a:camera prst="obliqueBottomRight"/>
-              <a:lightRig rig="threePt" dir="t"/>
-            </a:scene3d>
-            <a:sp3d/>
-          </p:spPr>
-          <p:style>
-            <a:lnRef idx="2">
-              <a:schemeClr val="accent1">
-                <a:shade val="15000"/>
-              </a:schemeClr>
-            </a:lnRef>
-            <a:fillRef idx="1">
-              <a:schemeClr val="accent1"/>
-            </a:fillRef>
-            <a:effectRef idx="0">
-              <a:schemeClr val="accent1"/>
-            </a:effectRef>
-            <a:fontRef idx="minor">
-              <a:schemeClr val="lt1"/>
-            </a:fontRef>
-          </p:style>
-          <p:txBody>
-            <a:bodyPr rtlCol="0" anchor="ctr"/>
-            <a:lstStyle/>
-            <a:p>
-              <a:pPr algn="ctr"/>
-              <a:endParaRPr lang="pt-BR" dirty="0"/>
-            </a:p>
-          </p:txBody>
-        </p:sp>
-        <p:sp>
-          <p:nvSpPr>
-            <p:cNvPr id="10" name="Elipse 9">
-              <a:extLst>
-                <a:ext uri="{FF2B5EF4-FFF2-40B4-BE49-F238E27FC236}">
-                  <a16:creationId xmlns:a16="http://schemas.microsoft.com/office/drawing/2014/main" id="{A20E0A17-FC71-6B9D-CEE9-53672A0BBF8E}"/>
-                </a:ext>
-              </a:extLst>
-            </p:cNvPr>
-            <p:cNvSpPr/>
-            <p:nvPr/>
-          </p:nvSpPr>
-          <p:spPr>
-            <a:xfrm>
-              <a:off x="5789847" y="3839065"/>
-              <a:ext cx="292195" cy="292231"/>
-            </a:xfrm>
-            <a:prstGeom prst="ellipse">
-              <a:avLst/>
-            </a:prstGeom>
-            <a:solidFill>
-              <a:srgbClr val="FF0000"/>
-            </a:solidFill>
-            <a:ln w="28575">
+              <a:ln w="12700">
+                <a:solidFill>
+                  <a:schemeClr val="tx1"/>
+                </a:solidFill>
+              </a:ln>
+            </p:spPr>
+            <p:style>
+              <a:lnRef idx="2">
+                <a:schemeClr val="accent1">
+                  <a:shade val="15000"/>
+                </a:schemeClr>
+              </a:lnRef>
+              <a:fillRef idx="1">
+                <a:schemeClr val="accent1"/>
+              </a:fillRef>
+              <a:effectRef idx="0">
+                <a:schemeClr val="accent1"/>
+              </a:effectRef>
+              <a:fontRef idx="minor">
+                <a:schemeClr val="lt1"/>
+              </a:fontRef>
+            </p:style>
+            <p:txBody>
+              <a:bodyPr rtlCol="0" anchor="ctr"/>
+              <a:lstStyle/>
+              <a:p>
+                <a:pPr algn="ctr"/>
+                <a:endParaRPr lang="pt-BR" dirty="0"/>
+              </a:p>
+            </p:txBody>
+          </p:sp>
+          <p:sp>
+            <p:nvSpPr>
+              <p:cNvPr id="16" name="Elipse 15">
+                <a:extLst>
+                  <a:ext uri="{FF2B5EF4-FFF2-40B4-BE49-F238E27FC236}">
+                    <a16:creationId xmlns:a16="http://schemas.microsoft.com/office/drawing/2014/main" id="{8139C28B-67F5-BDE5-B3E1-3FE06B43DB27}"/>
+                  </a:ext>
+                </a:extLst>
+              </p:cNvPr>
+              <p:cNvSpPr/>
+              <p:nvPr/>
+            </p:nvSpPr>
+            <p:spPr>
+              <a:xfrm>
+                <a:off x="6035025" y="3321376"/>
+                <a:ext cx="292231" cy="292231"/>
+              </a:xfrm>
+              <a:prstGeom prst="ellipse">
+                <a:avLst/>
+              </a:prstGeom>
               <a:solidFill>
-                <a:schemeClr val="tx1"/>
+                <a:schemeClr val="accent6"/>
               </a:solidFill>
-            </a:ln>
-            <a:scene3d>
-              <a:camera prst="obliqueBottomRight"/>
-              <a:lightRig rig="threePt" dir="t"/>
-            </a:scene3d>
-            <a:sp3d/>
-          </p:spPr>
-          <p:style>
-            <a:lnRef idx="2">
-              <a:schemeClr val="accent1">
-                <a:shade val="15000"/>
-              </a:schemeClr>
-            </a:lnRef>
-            <a:fillRef idx="1">
-              <a:schemeClr val="accent1"/>
-            </a:fillRef>
-            <a:effectRef idx="0">
-              <a:schemeClr val="accent1"/>
-            </a:effectRef>
-            <a:fontRef idx="minor">
-              <a:schemeClr val="lt1"/>
-            </a:fontRef>
-          </p:style>
-          <p:txBody>
-            <a:bodyPr rtlCol="0" anchor="ctr"/>
-            <a:lstStyle/>
-            <a:p>
-              <a:pPr algn="ctr"/>
-              <a:endParaRPr lang="pt-BR"/>
-            </a:p>
-          </p:txBody>
-        </p:sp>
-        <p:sp>
-          <p:nvSpPr>
-            <p:cNvPr id="11" name="Elipse 10">
-              <a:extLst>
-                <a:ext uri="{FF2B5EF4-FFF2-40B4-BE49-F238E27FC236}">
-                  <a16:creationId xmlns:a16="http://schemas.microsoft.com/office/drawing/2014/main" id="{81F5B572-3ACD-6AB8-CE7C-1D6D3DC30C3F}"/>
-                </a:ext>
-              </a:extLst>
-            </p:cNvPr>
-            <p:cNvSpPr/>
-            <p:nvPr/>
-          </p:nvSpPr>
-          <p:spPr>
-            <a:xfrm>
-              <a:off x="6280239" y="3839065"/>
-              <a:ext cx="292195" cy="292231"/>
-            </a:xfrm>
-            <a:prstGeom prst="ellipse">
-              <a:avLst/>
-            </a:prstGeom>
-            <a:solidFill>
-              <a:srgbClr val="FF0000"/>
-            </a:solidFill>
-            <a:ln w="28575">
+              <a:ln w="12700">
+                <a:solidFill>
+                  <a:schemeClr val="tx1"/>
+                </a:solidFill>
+              </a:ln>
+            </p:spPr>
+            <p:style>
+              <a:lnRef idx="2">
+                <a:schemeClr val="accent1">
+                  <a:shade val="15000"/>
+                </a:schemeClr>
+              </a:lnRef>
+              <a:fillRef idx="1">
+                <a:schemeClr val="accent1"/>
+              </a:fillRef>
+              <a:effectRef idx="0">
+                <a:schemeClr val="accent1"/>
+              </a:effectRef>
+              <a:fontRef idx="minor">
+                <a:schemeClr val="lt1"/>
+              </a:fontRef>
+            </p:style>
+            <p:txBody>
+              <a:bodyPr rtlCol="0" anchor="ctr"/>
+              <a:lstStyle/>
+              <a:p>
+                <a:pPr algn="ctr"/>
+                <a:endParaRPr lang="pt-BR"/>
+              </a:p>
+            </p:txBody>
+          </p:sp>
+          <p:sp>
+            <p:nvSpPr>
+              <p:cNvPr id="17" name="Elipse 16">
+                <a:extLst>
+                  <a:ext uri="{FF2B5EF4-FFF2-40B4-BE49-F238E27FC236}">
+                    <a16:creationId xmlns:a16="http://schemas.microsoft.com/office/drawing/2014/main" id="{A47BDDF9-6A02-4677-77FE-66431BC88DF1}"/>
+                  </a:ext>
+                </a:extLst>
+              </p:cNvPr>
+              <p:cNvSpPr/>
+              <p:nvPr/>
+            </p:nvSpPr>
+            <p:spPr>
+              <a:xfrm>
+                <a:off x="6525416" y="3321376"/>
+                <a:ext cx="292231" cy="292231"/>
+              </a:xfrm>
+              <a:prstGeom prst="ellipse">
+                <a:avLst/>
+              </a:prstGeom>
               <a:solidFill>
-                <a:schemeClr val="tx1"/>
+                <a:schemeClr val="accent6"/>
               </a:solidFill>
-            </a:ln>
-            <a:scene3d>
-              <a:camera prst="obliqueBottomRight"/>
-              <a:lightRig rig="threePt" dir="t"/>
-            </a:scene3d>
-            <a:sp3d/>
-          </p:spPr>
-          <p:style>
-            <a:lnRef idx="2">
-              <a:schemeClr val="accent1">
-                <a:shade val="15000"/>
-              </a:schemeClr>
-            </a:lnRef>
-            <a:fillRef idx="1">
-              <a:schemeClr val="accent1"/>
-            </a:fillRef>
-            <a:effectRef idx="0">
-              <a:schemeClr val="accent1"/>
-            </a:effectRef>
-            <a:fontRef idx="minor">
-              <a:schemeClr val="lt1"/>
-            </a:fontRef>
-          </p:style>
-          <p:txBody>
-            <a:bodyPr rtlCol="0" anchor="ctr"/>
-            <a:lstStyle/>
-            <a:p>
-              <a:pPr algn="ctr"/>
-              <a:endParaRPr lang="pt-BR"/>
-            </a:p>
-          </p:txBody>
-        </p:sp>
-        <p:sp>
-          <p:nvSpPr>
-            <p:cNvPr id="12" name="Elipse 11">
-              <a:extLst>
-                <a:ext uri="{FF2B5EF4-FFF2-40B4-BE49-F238E27FC236}">
-                  <a16:creationId xmlns:a16="http://schemas.microsoft.com/office/drawing/2014/main" id="{DF9439AE-EF14-BEE7-8DB5-4958D8A1ABF5}"/>
-                </a:ext>
-              </a:extLst>
-            </p:cNvPr>
-            <p:cNvSpPr/>
-            <p:nvPr/>
-          </p:nvSpPr>
-          <p:spPr>
-            <a:xfrm>
-              <a:off x="6770628" y="3839065"/>
-              <a:ext cx="292195" cy="292231"/>
-            </a:xfrm>
-            <a:prstGeom prst="ellipse">
-              <a:avLst/>
-            </a:prstGeom>
-            <a:solidFill>
-              <a:srgbClr val="FF0000"/>
-            </a:solidFill>
-            <a:ln w="28575">
-              <a:solidFill>
-                <a:schemeClr val="tx1"/>
-              </a:solidFill>
-            </a:ln>
-            <a:scene3d>
-              <a:camera prst="obliqueBottomRight"/>
-              <a:lightRig rig="threePt" dir="t"/>
-            </a:scene3d>
-            <a:sp3d/>
-          </p:spPr>
-          <p:style>
-            <a:lnRef idx="2">
-              <a:schemeClr val="accent1">
-                <a:shade val="15000"/>
-              </a:schemeClr>
-            </a:lnRef>
-            <a:fillRef idx="1">
-              <a:schemeClr val="accent1"/>
-            </a:fillRef>
-            <a:effectRef idx="0">
-              <a:schemeClr val="accent1"/>
-            </a:effectRef>
-            <a:fontRef idx="minor">
-              <a:schemeClr val="lt1"/>
-            </a:fontRef>
-          </p:style>
-          <p:txBody>
-            <a:bodyPr rtlCol="0" anchor="ctr"/>
-            <a:lstStyle/>
-            <a:p>
-              <a:pPr algn="ctr"/>
-              <a:endParaRPr lang="pt-BR" dirty="0"/>
-            </a:p>
-          </p:txBody>
-        </p:sp>
+              <a:ln w="12700">
+                <a:solidFill>
+                  <a:schemeClr val="tx1"/>
+                </a:solidFill>
+              </a:ln>
+            </p:spPr>
+            <p:style>
+              <a:lnRef idx="2">
+                <a:schemeClr val="accent1">
+                  <a:shade val="15000"/>
+                </a:schemeClr>
+              </a:lnRef>
+              <a:fillRef idx="1">
+                <a:schemeClr val="accent1"/>
+              </a:fillRef>
+              <a:effectRef idx="0">
+                <a:schemeClr val="accent1"/>
+              </a:effectRef>
+              <a:fontRef idx="minor">
+                <a:schemeClr val="lt1"/>
+              </a:fontRef>
+            </p:style>
+            <p:txBody>
+              <a:bodyPr rtlCol="0" anchor="ctr"/>
+              <a:lstStyle/>
+              <a:p>
+                <a:pPr algn="ctr"/>
+                <a:endParaRPr lang="pt-BR"/>
+              </a:p>
+            </p:txBody>
+          </p:sp>
+        </p:grpSp>
       </p:grpSp>
       <p:grpSp>
         <p:nvGrpSpPr>
-          <p:cNvPr id="13" name="Agrupar 12">
-            <a:extLst>
-              <a:ext uri="{FF2B5EF4-FFF2-40B4-BE49-F238E27FC236}">
-                <a16:creationId xmlns:a16="http://schemas.microsoft.com/office/drawing/2014/main" id="{3AF23367-7538-A973-9D01-A58500CBF65C}"/>
-              </a:ext>
-            </a:extLst>
-          </p:cNvPr>
-          <p:cNvGrpSpPr/>
-          <p:nvPr/>
-        </p:nvGrpSpPr>
-        <p:grpSpPr>
-          <a:xfrm>
-            <a:off x="4073457" y="3321376"/>
-            <a:ext cx="2744190" cy="292231"/>
-            <a:chOff x="4073457" y="3321376"/>
-            <a:chExt cx="2744190" cy="292231"/>
-          </a:xfrm>
-        </p:grpSpPr>
-        <p:sp>
-          <p:nvSpPr>
-            <p:cNvPr id="6" name="Elipse 5">
-              <a:extLst>
-                <a:ext uri="{FF2B5EF4-FFF2-40B4-BE49-F238E27FC236}">
-                  <a16:creationId xmlns:a16="http://schemas.microsoft.com/office/drawing/2014/main" id="{2F956EC9-48E6-DA50-26D1-A2A5AF24CC3F}"/>
-                </a:ext>
-              </a:extLst>
-            </p:cNvPr>
-            <p:cNvSpPr/>
-            <p:nvPr/>
-          </p:nvSpPr>
-          <p:spPr>
-            <a:xfrm>
-              <a:off x="4073457" y="3321376"/>
-              <a:ext cx="292231" cy="292231"/>
-            </a:xfrm>
-            <a:prstGeom prst="ellipse">
-              <a:avLst/>
-            </a:prstGeom>
-            <a:solidFill>
-              <a:schemeClr val="accent6"/>
-            </a:solidFill>
-            <a:ln w="28575">
-              <a:solidFill>
-                <a:schemeClr val="tx1"/>
-              </a:solidFill>
-            </a:ln>
-            <a:scene3d>
-              <a:camera prst="obliqueBottomRight"/>
-              <a:lightRig rig="threePt" dir="t"/>
-            </a:scene3d>
-            <a:sp3d/>
-          </p:spPr>
-          <p:style>
-            <a:lnRef idx="2">
-              <a:schemeClr val="accent1">
-                <a:shade val="15000"/>
-              </a:schemeClr>
-            </a:lnRef>
-            <a:fillRef idx="1">
-              <a:schemeClr val="accent1"/>
-            </a:fillRef>
-            <a:effectRef idx="0">
-              <a:schemeClr val="accent1"/>
-            </a:effectRef>
-            <a:fontRef idx="minor">
-              <a:schemeClr val="lt1"/>
-            </a:fontRef>
-          </p:style>
-          <p:txBody>
-            <a:bodyPr rtlCol="0" anchor="ctr"/>
-            <a:lstStyle/>
-            <a:p>
-              <a:pPr algn="ctr"/>
-              <a:endParaRPr lang="pt-BR"/>
-            </a:p>
-          </p:txBody>
-        </p:sp>
-        <p:sp>
-          <p:nvSpPr>
-            <p:cNvPr id="14" name="Elipse 13">
-              <a:extLst>
-                <a:ext uri="{FF2B5EF4-FFF2-40B4-BE49-F238E27FC236}">
-                  <a16:creationId xmlns:a16="http://schemas.microsoft.com/office/drawing/2014/main" id="{F6953C24-29E1-30E9-A989-2FFF31BA28CE}"/>
-                </a:ext>
-              </a:extLst>
-            </p:cNvPr>
-            <p:cNvSpPr/>
-            <p:nvPr/>
-          </p:nvSpPr>
-          <p:spPr>
-            <a:xfrm>
-              <a:off x="4563849" y="3321376"/>
-              <a:ext cx="292231" cy="292231"/>
-            </a:xfrm>
-            <a:prstGeom prst="ellipse">
-              <a:avLst/>
-            </a:prstGeom>
-            <a:solidFill>
-              <a:schemeClr val="accent6"/>
-            </a:solidFill>
-            <a:ln w="28575">
-              <a:solidFill>
-                <a:schemeClr val="tx1"/>
-              </a:solidFill>
-            </a:ln>
-            <a:scene3d>
-              <a:camera prst="obliqueBottomRight"/>
-              <a:lightRig rig="threePt" dir="t"/>
-            </a:scene3d>
-            <a:sp3d/>
-          </p:spPr>
-          <p:style>
-            <a:lnRef idx="2">
-              <a:schemeClr val="accent1">
-                <a:shade val="15000"/>
-              </a:schemeClr>
-            </a:lnRef>
-            <a:fillRef idx="1">
-              <a:schemeClr val="accent1"/>
-            </a:fillRef>
-            <a:effectRef idx="0">
-              <a:schemeClr val="accent1"/>
-            </a:effectRef>
-            <a:fontRef idx="minor">
-              <a:schemeClr val="lt1"/>
-            </a:fontRef>
-          </p:style>
-          <p:txBody>
-            <a:bodyPr rtlCol="0" anchor="ctr"/>
-            <a:lstStyle/>
-            <a:p>
-              <a:pPr algn="ctr"/>
-              <a:endParaRPr lang="pt-BR"/>
-            </a:p>
-          </p:txBody>
-        </p:sp>
-        <p:sp>
-          <p:nvSpPr>
-            <p:cNvPr id="15" name="Elipse 14">
-              <a:extLst>
-                <a:ext uri="{FF2B5EF4-FFF2-40B4-BE49-F238E27FC236}">
-                  <a16:creationId xmlns:a16="http://schemas.microsoft.com/office/drawing/2014/main" id="{512BDDE2-1F14-7A02-5ACF-ED7BACAE9B05}"/>
-                </a:ext>
-              </a:extLst>
-            </p:cNvPr>
-            <p:cNvSpPr/>
-            <p:nvPr/>
-          </p:nvSpPr>
-          <p:spPr>
-            <a:xfrm>
-              <a:off x="5544633" y="3321376"/>
-              <a:ext cx="292231" cy="292231"/>
-            </a:xfrm>
-            <a:prstGeom prst="ellipse">
-              <a:avLst/>
-            </a:prstGeom>
-            <a:solidFill>
-              <a:schemeClr val="accent6"/>
-            </a:solidFill>
-            <a:ln w="28575">
-              <a:solidFill>
-                <a:schemeClr val="tx1"/>
-              </a:solidFill>
-            </a:ln>
-            <a:scene3d>
-              <a:camera prst="obliqueBottomRight"/>
-              <a:lightRig rig="threePt" dir="t"/>
-            </a:scene3d>
-            <a:sp3d/>
-          </p:spPr>
-          <p:style>
-            <a:lnRef idx="2">
-              <a:schemeClr val="accent1">
-                <a:shade val="15000"/>
-              </a:schemeClr>
-            </a:lnRef>
-            <a:fillRef idx="1">
-              <a:schemeClr val="accent1"/>
-            </a:fillRef>
-            <a:effectRef idx="0">
-              <a:schemeClr val="accent1"/>
-            </a:effectRef>
-            <a:fontRef idx="minor">
-              <a:schemeClr val="lt1"/>
-            </a:fontRef>
-          </p:style>
-          <p:txBody>
-            <a:bodyPr rtlCol="0" anchor="ctr"/>
-            <a:lstStyle/>
-            <a:p>
-              <a:pPr algn="ctr"/>
-              <a:endParaRPr lang="pt-BR" dirty="0"/>
-            </a:p>
-          </p:txBody>
-        </p:sp>
-        <p:sp>
-          <p:nvSpPr>
-            <p:cNvPr id="16" name="Elipse 15">
-              <a:extLst>
-                <a:ext uri="{FF2B5EF4-FFF2-40B4-BE49-F238E27FC236}">
-                  <a16:creationId xmlns:a16="http://schemas.microsoft.com/office/drawing/2014/main" id="{8139C28B-67F5-BDE5-B3E1-3FE06B43DB27}"/>
-                </a:ext>
-              </a:extLst>
-            </p:cNvPr>
-            <p:cNvSpPr/>
-            <p:nvPr/>
-          </p:nvSpPr>
-          <p:spPr>
-            <a:xfrm>
-              <a:off x="6035025" y="3321376"/>
-              <a:ext cx="292231" cy="292231"/>
-            </a:xfrm>
-            <a:prstGeom prst="ellipse">
-              <a:avLst/>
-            </a:prstGeom>
-            <a:solidFill>
-              <a:schemeClr val="accent6"/>
-            </a:solidFill>
-            <a:ln w="28575">
-              <a:solidFill>
-                <a:schemeClr val="tx1"/>
-              </a:solidFill>
-            </a:ln>
-            <a:scene3d>
-              <a:camera prst="obliqueBottomRight"/>
-              <a:lightRig rig="threePt" dir="t"/>
-            </a:scene3d>
-            <a:sp3d/>
-          </p:spPr>
-          <p:style>
-            <a:lnRef idx="2">
-              <a:schemeClr val="accent1">
-                <a:shade val="15000"/>
-              </a:schemeClr>
-            </a:lnRef>
-            <a:fillRef idx="1">
-              <a:schemeClr val="accent1"/>
-            </a:fillRef>
-            <a:effectRef idx="0">
-              <a:schemeClr val="accent1"/>
-            </a:effectRef>
-            <a:fontRef idx="minor">
-              <a:schemeClr val="lt1"/>
-            </a:fontRef>
-          </p:style>
-          <p:txBody>
-            <a:bodyPr rtlCol="0" anchor="ctr"/>
-            <a:lstStyle/>
-            <a:p>
-              <a:pPr algn="ctr"/>
-              <a:endParaRPr lang="pt-BR"/>
-            </a:p>
-          </p:txBody>
-        </p:sp>
-        <p:sp>
-          <p:nvSpPr>
-            <p:cNvPr id="17" name="Elipse 16">
-              <a:extLst>
-                <a:ext uri="{FF2B5EF4-FFF2-40B4-BE49-F238E27FC236}">
-                  <a16:creationId xmlns:a16="http://schemas.microsoft.com/office/drawing/2014/main" id="{A47BDDF9-6A02-4677-77FE-66431BC88DF1}"/>
-                </a:ext>
-              </a:extLst>
-            </p:cNvPr>
-            <p:cNvSpPr/>
-            <p:nvPr/>
-          </p:nvSpPr>
-          <p:spPr>
-            <a:xfrm>
-              <a:off x="6525416" y="3321376"/>
-              <a:ext cx="292231" cy="292231"/>
-            </a:xfrm>
-            <a:prstGeom prst="ellipse">
-              <a:avLst/>
-            </a:prstGeom>
-            <a:solidFill>
-              <a:schemeClr val="accent6"/>
-            </a:solidFill>
-            <a:ln w="28575">
-              <a:solidFill>
-                <a:schemeClr val="tx1"/>
-              </a:solidFill>
-            </a:ln>
-            <a:scene3d>
-              <a:camera prst="obliqueBottomRight"/>
-              <a:lightRig rig="threePt" dir="t"/>
-            </a:scene3d>
-            <a:sp3d/>
-          </p:spPr>
-          <p:style>
-            <a:lnRef idx="2">
-              <a:schemeClr val="accent1">
-                <a:shade val="15000"/>
-              </a:schemeClr>
-            </a:lnRef>
-            <a:fillRef idx="1">
-              <a:schemeClr val="accent1"/>
-            </a:fillRef>
-            <a:effectRef idx="0">
-              <a:schemeClr val="accent1"/>
-            </a:effectRef>
-            <a:fontRef idx="minor">
-              <a:schemeClr val="lt1"/>
-            </a:fontRef>
-          </p:style>
-          <p:txBody>
-            <a:bodyPr rtlCol="0" anchor="ctr"/>
-            <a:lstStyle/>
-            <a:p>
-              <a:pPr algn="ctr"/>
-              <a:endParaRPr lang="pt-BR"/>
-            </a:p>
-          </p:txBody>
-        </p:sp>
-      </p:grpSp>
-      <p:grpSp>
-        <p:nvGrpSpPr>
-          <p:cNvPr id="24" name="Agrupar 23">
-            <a:extLst>
-              <a:ext uri="{FF2B5EF4-FFF2-40B4-BE49-F238E27FC236}">
-                <a16:creationId xmlns:a16="http://schemas.microsoft.com/office/drawing/2014/main" id="{98BD3700-3081-2663-4218-778EA7D27E39}"/>
-              </a:ext>
-            </a:extLst>
-          </p:cNvPr>
-          <p:cNvGrpSpPr/>
-          <p:nvPr/>
-        </p:nvGrpSpPr>
-        <p:grpSpPr>
-          <a:xfrm>
-            <a:off x="7428321" y="2752626"/>
-            <a:ext cx="405353" cy="1536569"/>
-            <a:chOff x="7305773" y="2516956"/>
-            <a:chExt cx="405353" cy="1536569"/>
-          </a:xfrm>
-          <a:effectLst>
-            <a:outerShdw blurRad="50800" dist="38100" algn="l" rotWithShape="0">
-              <a:prstClr val="black">
-                <a:alpha val="40000"/>
-              </a:prstClr>
-            </a:outerShdw>
-          </a:effectLst>
-        </p:grpSpPr>
-        <p:sp>
-          <p:nvSpPr>
-            <p:cNvPr id="22" name="Retângulo 21">
-              <a:extLst>
-                <a:ext uri="{FF2B5EF4-FFF2-40B4-BE49-F238E27FC236}">
-                  <a16:creationId xmlns:a16="http://schemas.microsoft.com/office/drawing/2014/main" id="{94D33FBE-B9D0-4DA9-5050-F33D837BB52E}"/>
-                </a:ext>
-              </a:extLst>
-            </p:cNvPr>
-            <p:cNvSpPr/>
-            <p:nvPr/>
-          </p:nvSpPr>
-          <p:spPr>
-            <a:xfrm>
-              <a:off x="7404754" y="2516956"/>
-              <a:ext cx="207390" cy="1536569"/>
-            </a:xfrm>
-            <a:prstGeom prst="rect">
-              <a:avLst/>
-            </a:prstGeom>
-            <a:solidFill>
-              <a:schemeClr val="tx2">
-                <a:lumMod val="40000"/>
-                <a:lumOff val="60000"/>
-              </a:schemeClr>
-            </a:solidFill>
-            <a:ln w="28575">
-              <a:solidFill>
-                <a:schemeClr val="tx1"/>
-              </a:solidFill>
-            </a:ln>
-            <a:effectLst>
-              <a:reflection endPos="0" dist="12700" dir="5400000" sy="-100000" algn="bl" rotWithShape="0"/>
-            </a:effectLst>
-            <a:scene3d>
-              <a:camera prst="orthographicFront"/>
-              <a:lightRig rig="threePt" dir="t"/>
-            </a:scene3d>
-            <a:sp3d/>
-          </p:spPr>
-          <p:style>
-            <a:lnRef idx="2">
-              <a:schemeClr val="accent1">
-                <a:shade val="15000"/>
-              </a:schemeClr>
-            </a:lnRef>
-            <a:fillRef idx="1">
-              <a:schemeClr val="accent1"/>
-            </a:fillRef>
-            <a:effectRef idx="0">
-              <a:schemeClr val="accent1"/>
-            </a:effectRef>
-            <a:fontRef idx="minor">
-              <a:schemeClr val="lt1"/>
-            </a:fontRef>
-          </p:style>
-          <p:txBody>
-            <a:bodyPr rtlCol="0" anchor="ctr"/>
-            <a:lstStyle/>
-            <a:p>
-              <a:pPr algn="ctr"/>
-              <a:endParaRPr lang="pt-BR" dirty="0"/>
-            </a:p>
-          </p:txBody>
-        </p:sp>
-        <p:sp>
-          <p:nvSpPr>
-            <p:cNvPr id="23" name="Retângulo 22">
-              <a:extLst>
-                <a:ext uri="{FF2B5EF4-FFF2-40B4-BE49-F238E27FC236}">
-                  <a16:creationId xmlns:a16="http://schemas.microsoft.com/office/drawing/2014/main" id="{C0857E71-F5D7-811C-8457-FC967A219868}"/>
-                </a:ext>
-              </a:extLst>
-            </p:cNvPr>
-            <p:cNvSpPr/>
-            <p:nvPr/>
-          </p:nvSpPr>
-          <p:spPr>
-            <a:xfrm>
-              <a:off x="7305773" y="2804475"/>
-              <a:ext cx="405353" cy="150829"/>
-            </a:xfrm>
-            <a:prstGeom prst="rect">
-              <a:avLst/>
-            </a:prstGeom>
-            <a:solidFill>
-              <a:schemeClr val="tx1"/>
-            </a:solidFill>
-            <a:ln w="28575">
-              <a:solidFill>
-                <a:schemeClr val="tx1"/>
-              </a:solidFill>
-            </a:ln>
-            <a:scene3d>
-              <a:camera prst="orthographicFront"/>
-              <a:lightRig rig="threePt" dir="t"/>
-            </a:scene3d>
-            <a:sp3d/>
-          </p:spPr>
-          <p:style>
-            <a:lnRef idx="2">
-              <a:schemeClr val="accent1">
-                <a:shade val="15000"/>
-              </a:schemeClr>
-            </a:lnRef>
-            <a:fillRef idx="1">
-              <a:schemeClr val="accent1"/>
-            </a:fillRef>
-            <a:effectRef idx="0">
-              <a:schemeClr val="accent1"/>
-            </a:effectRef>
-            <a:fontRef idx="minor">
-              <a:schemeClr val="lt1"/>
-            </a:fontRef>
-          </p:style>
-          <p:txBody>
-            <a:bodyPr rtlCol="0" anchor="ctr"/>
-            <a:lstStyle/>
-            <a:p>
-              <a:pPr algn="ctr"/>
-              <a:endParaRPr lang="pt-BR"/>
-            </a:p>
-          </p:txBody>
-        </p:sp>
-      </p:grpSp>
-      <p:sp>
-        <p:nvSpPr>
-          <p:cNvPr id="25" name="Elipse 24">
-            <a:extLst>
-              <a:ext uri="{FF2B5EF4-FFF2-40B4-BE49-F238E27FC236}">
-                <a16:creationId xmlns:a16="http://schemas.microsoft.com/office/drawing/2014/main" id="{83968EF8-1D9B-787F-CC53-6EFDCDAC0ECD}"/>
-              </a:ext>
-            </a:extLst>
-          </p:cNvPr>
-          <p:cNvSpPr/>
-          <p:nvPr/>
-        </p:nvSpPr>
-        <p:spPr>
-          <a:xfrm>
-            <a:off x="7484882" y="2163445"/>
-            <a:ext cx="292231" cy="292231"/>
-          </a:xfrm>
-          <a:prstGeom prst="ellipse">
-            <a:avLst/>
-          </a:prstGeom>
-          <a:solidFill>
-            <a:schemeClr val="tx1"/>
-          </a:solidFill>
-          <a:ln w="28575">
-            <a:solidFill>
-              <a:schemeClr val="tx1"/>
-            </a:solidFill>
-          </a:ln>
-          <a:effectLst>
-            <a:outerShdw blurRad="50800" dist="38100" algn="l" rotWithShape="0">
-              <a:prstClr val="black">
-                <a:alpha val="40000"/>
-              </a:prstClr>
-            </a:outerShdw>
-          </a:effectLst>
-          <a:scene3d>
-            <a:camera prst="obliqueBottomRight"/>
-            <a:lightRig rig="threePt" dir="t"/>
-          </a:scene3d>
-          <a:sp3d/>
-        </p:spPr>
-        <p:style>
-          <a:lnRef idx="2">
-            <a:schemeClr val="accent1">
-              <a:shade val="15000"/>
-            </a:schemeClr>
-          </a:lnRef>
-          <a:fillRef idx="1">
-            <a:schemeClr val="accent1"/>
-          </a:fillRef>
-          <a:effectRef idx="0">
-            <a:schemeClr val="accent1"/>
-          </a:effectRef>
-          <a:fontRef idx="minor">
-            <a:schemeClr val="lt1"/>
-          </a:fontRef>
-        </p:style>
-        <p:txBody>
-          <a:bodyPr rtlCol="0" anchor="ctr"/>
-          <a:lstStyle/>
-          <a:p>
-            <a:pPr algn="ctr"/>
-            <a:endParaRPr lang="pt-BR"/>
-          </a:p>
-        </p:txBody>
-      </p:sp>
-      <p:grpSp>
-        <p:nvGrpSpPr>
-          <p:cNvPr id="26" name="Agrupar 25">
-            <a:extLst>
-              <a:ext uri="{FF2B5EF4-FFF2-40B4-BE49-F238E27FC236}">
-                <a16:creationId xmlns:a16="http://schemas.microsoft.com/office/drawing/2014/main" id="{81C8DAF4-DF03-CF7D-5E8C-3BF6937C6562}"/>
+          <p:cNvPr id="2" name="Agrupar 1">
+            <a:extLst>
+              <a:ext uri="{FF2B5EF4-FFF2-40B4-BE49-F238E27FC236}">
+                <a16:creationId xmlns:a16="http://schemas.microsoft.com/office/drawing/2014/main" id="{7920ED15-BB5D-43DE-C140-256AA3DD3EE2}"/>
               </a:ext>
             </a:extLst>
           </p:cNvPr>
@@ -5847,9 +5519,9 @@
         <p:grpSpPr>
           <a:xfrm>
             <a:off x="3708410" y="2142109"/>
-            <a:ext cx="1311646" cy="232654"/>
+            <a:ext cx="772150" cy="232654"/>
             <a:chOff x="3708410" y="2142109"/>
-            <a:chExt cx="1311646" cy="232654"/>
+            <a:chExt cx="772150" cy="232654"/>
           </a:xfrm>
         </p:grpSpPr>
         <p:sp>
@@ -5891,11 +5563,6 @@
                 </a:prstClr>
               </a:outerShdw>
             </a:effectLst>
-            <a:scene3d>
-              <a:camera prst="obliqueBottomRight"/>
-              <a:lightRig rig="threePt" dir="t"/>
-            </a:scene3d>
-            <a:sp3d/>
           </p:spPr>
           <p:style>
             <a:lnRef idx="2">
@@ -5961,11 +5628,329 @@
                 </a:prstClr>
               </a:outerShdw>
             </a:effectLst>
-            <a:scene3d>
-              <a:camera prst="obliqueBottomRight"/>
-              <a:lightRig rig="threePt" dir="t"/>
-            </a:scene3d>
-            <a:sp3d/>
+          </p:spPr>
+          <p:style>
+            <a:lnRef idx="2">
+              <a:schemeClr val="accent1">
+                <a:shade val="15000"/>
+              </a:schemeClr>
+            </a:lnRef>
+            <a:fillRef idx="1">
+              <a:schemeClr val="accent1"/>
+            </a:fillRef>
+            <a:effectRef idx="0">
+              <a:schemeClr val="accent1"/>
+            </a:effectRef>
+            <a:fontRef idx="minor">
+              <a:schemeClr val="lt1"/>
+            </a:fontRef>
+          </p:style>
+          <p:txBody>
+            <a:bodyPr rtlCol="0" anchor="ctr"/>
+            <a:lstStyle/>
+            <a:p>
+              <a:pPr algn="ctr"/>
+              <a:endParaRPr lang="pt-BR" dirty="0"/>
+            </a:p>
+          </p:txBody>
+        </p:sp>
+      </p:grpSp>
+      <p:grpSp>
+        <p:nvGrpSpPr>
+          <p:cNvPr id="31" name="Agrupar 30">
+            <a:extLst>
+              <a:ext uri="{FF2B5EF4-FFF2-40B4-BE49-F238E27FC236}">
+                <a16:creationId xmlns:a16="http://schemas.microsoft.com/office/drawing/2014/main" id="{EAE52767-5513-8F79-C589-6F264D494E54}"/>
+              </a:ext>
+            </a:extLst>
+          </p:cNvPr>
+          <p:cNvGrpSpPr/>
+          <p:nvPr/>
+        </p:nvGrpSpPr>
+        <p:grpSpPr>
+          <a:xfrm>
+            <a:off x="7381747" y="2748280"/>
+            <a:ext cx="563687" cy="1540915"/>
+            <a:chOff x="7269987" y="2748280"/>
+            <a:chExt cx="563687" cy="1540915"/>
+          </a:xfrm>
+        </p:grpSpPr>
+        <p:grpSp>
+          <p:nvGrpSpPr>
+            <p:cNvPr id="24" name="Agrupar 23">
+              <a:extLst>
+                <a:ext uri="{FF2B5EF4-FFF2-40B4-BE49-F238E27FC236}">
+                  <a16:creationId xmlns:a16="http://schemas.microsoft.com/office/drawing/2014/main" id="{98BD3700-3081-2663-4218-778EA7D27E39}"/>
+                </a:ext>
+              </a:extLst>
+            </p:cNvPr>
+            <p:cNvGrpSpPr/>
+            <p:nvPr/>
+          </p:nvGrpSpPr>
+          <p:grpSpPr>
+            <a:xfrm>
+              <a:off x="7428321" y="2752626"/>
+              <a:ext cx="405353" cy="1536569"/>
+              <a:chOff x="7305773" y="2516956"/>
+              <a:chExt cx="405353" cy="1536569"/>
+            </a:xfrm>
+            <a:effectLst>
+              <a:outerShdw blurRad="50800" dist="38100" algn="l" rotWithShape="0">
+                <a:prstClr val="black">
+                  <a:alpha val="40000"/>
+                </a:prstClr>
+              </a:outerShdw>
+            </a:effectLst>
+          </p:grpSpPr>
+          <p:sp>
+            <p:nvSpPr>
+              <p:cNvPr id="22" name="Retângulo 21">
+                <a:extLst>
+                  <a:ext uri="{FF2B5EF4-FFF2-40B4-BE49-F238E27FC236}">
+                    <a16:creationId xmlns:a16="http://schemas.microsoft.com/office/drawing/2014/main" id="{94D33FBE-B9D0-4DA9-5050-F33D837BB52E}"/>
+                  </a:ext>
+                </a:extLst>
+              </p:cNvPr>
+              <p:cNvSpPr/>
+              <p:nvPr/>
+            </p:nvSpPr>
+            <p:spPr>
+              <a:xfrm>
+                <a:off x="7404754" y="2516956"/>
+                <a:ext cx="207390" cy="1536569"/>
+              </a:xfrm>
+              <a:prstGeom prst="rect">
+                <a:avLst/>
+              </a:prstGeom>
+              <a:solidFill>
+                <a:schemeClr val="tx2">
+                  <a:lumMod val="40000"/>
+                  <a:lumOff val="60000"/>
+                </a:schemeClr>
+              </a:solidFill>
+              <a:ln w="12700">
+                <a:solidFill>
+                  <a:schemeClr val="tx1"/>
+                </a:solidFill>
+              </a:ln>
+              <a:effectLst>
+                <a:reflection endPos="0" dist="12700" dir="5400000" sy="-100000" algn="bl" rotWithShape="0"/>
+              </a:effectLst>
+            </p:spPr>
+            <p:style>
+              <a:lnRef idx="2">
+                <a:schemeClr val="accent1">
+                  <a:shade val="15000"/>
+                </a:schemeClr>
+              </a:lnRef>
+              <a:fillRef idx="1">
+                <a:schemeClr val="accent1"/>
+              </a:fillRef>
+              <a:effectRef idx="0">
+                <a:schemeClr val="accent1"/>
+              </a:effectRef>
+              <a:fontRef idx="minor">
+                <a:schemeClr val="lt1"/>
+              </a:fontRef>
+            </p:style>
+            <p:txBody>
+              <a:bodyPr rtlCol="0" anchor="ctr"/>
+              <a:lstStyle/>
+              <a:p>
+                <a:pPr algn="ctr"/>
+                <a:endParaRPr lang="pt-BR" dirty="0"/>
+              </a:p>
+            </p:txBody>
+          </p:sp>
+          <p:sp>
+            <p:nvSpPr>
+              <p:cNvPr id="23" name="Retângulo 22">
+                <a:extLst>
+                  <a:ext uri="{FF2B5EF4-FFF2-40B4-BE49-F238E27FC236}">
+                    <a16:creationId xmlns:a16="http://schemas.microsoft.com/office/drawing/2014/main" id="{C0857E71-F5D7-811C-8457-FC967A219868}"/>
+                  </a:ext>
+                </a:extLst>
+              </p:cNvPr>
+              <p:cNvSpPr/>
+              <p:nvPr/>
+            </p:nvSpPr>
+            <p:spPr>
+              <a:xfrm>
+                <a:off x="7305773" y="2804475"/>
+                <a:ext cx="405353" cy="150829"/>
+              </a:xfrm>
+              <a:prstGeom prst="rect">
+                <a:avLst/>
+              </a:prstGeom>
+              <a:solidFill>
+                <a:schemeClr val="tx1"/>
+              </a:solidFill>
+              <a:ln w="12700">
+                <a:solidFill>
+                  <a:schemeClr val="tx1"/>
+                </a:solidFill>
+              </a:ln>
+            </p:spPr>
+            <p:style>
+              <a:lnRef idx="2">
+                <a:schemeClr val="accent1">
+                  <a:shade val="15000"/>
+                </a:schemeClr>
+              </a:lnRef>
+              <a:fillRef idx="1">
+                <a:schemeClr val="accent1"/>
+              </a:fillRef>
+              <a:effectRef idx="0">
+                <a:schemeClr val="accent1"/>
+              </a:effectRef>
+              <a:fontRef idx="minor">
+                <a:schemeClr val="lt1"/>
+              </a:fontRef>
+            </p:style>
+            <p:txBody>
+              <a:bodyPr rtlCol="0" anchor="ctr"/>
+              <a:lstStyle/>
+              <a:p>
+                <a:pPr algn="ctr"/>
+                <a:endParaRPr lang="pt-BR"/>
+              </a:p>
+            </p:txBody>
+          </p:sp>
+        </p:grpSp>
+        <p:pic>
+          <p:nvPicPr>
+            <p:cNvPr id="28" name="Gráfico 27" descr="Alto-falante sem áudio com preenchimento sólido">
+              <a:extLst>
+                <a:ext uri="{FF2B5EF4-FFF2-40B4-BE49-F238E27FC236}">
+                  <a16:creationId xmlns:a16="http://schemas.microsoft.com/office/drawing/2014/main" id="{E6EAEDBF-02B9-B7BA-EB83-7A795FB1E71B}"/>
+                </a:ext>
+              </a:extLst>
+            </p:cNvPr>
+            <p:cNvPicPr>
+              <a:picLocks noChangeAspect="1"/>
+            </p:cNvPicPr>
+            <p:nvPr/>
+          </p:nvPicPr>
+          <p:blipFill>
+            <a:blip r:embed="rId2">
+              <a:extLst>
+                <a:ext uri="{28A0092B-C50C-407E-A947-70E740481C1C}">
+                  <a14:useLocalDpi xmlns:a14="http://schemas.microsoft.com/office/drawing/2010/main" val="0"/>
+                </a:ext>
+                <a:ext uri="{96DAC541-7B7A-43D3-8B79-37D633B846F1}">
+                  <asvg:svgBlip xmlns:asvg="http://schemas.microsoft.com/office/drawing/2016/SVG/main" r:embed="rId3"/>
+                </a:ext>
+              </a:extLst>
+            </a:blip>
+            <a:stretch>
+              <a:fillRect/>
+            </a:stretch>
+          </p:blipFill>
+          <p:spPr>
+            <a:xfrm>
+              <a:off x="7271605" y="4072316"/>
+              <a:ext cx="199964" cy="199964"/>
+            </a:xfrm>
+            <a:prstGeom prst="rect">
+              <a:avLst/>
+            </a:prstGeom>
+          </p:spPr>
+        </p:pic>
+        <p:pic>
+          <p:nvPicPr>
+            <p:cNvPr id="30" name="Gráfico 29" descr="Volume com preenchimento sólido">
+              <a:extLst>
+                <a:ext uri="{FF2B5EF4-FFF2-40B4-BE49-F238E27FC236}">
+                  <a16:creationId xmlns:a16="http://schemas.microsoft.com/office/drawing/2014/main" id="{3CCD42D5-4D75-69A9-AA72-8EC2C1FEBDBD}"/>
+                </a:ext>
+              </a:extLst>
+            </p:cNvPr>
+            <p:cNvPicPr>
+              <a:picLocks noChangeAspect="1"/>
+            </p:cNvPicPr>
+            <p:nvPr/>
+          </p:nvPicPr>
+          <p:blipFill>
+            <a:blip r:embed="rId4">
+              <a:extLst>
+                <a:ext uri="{28A0092B-C50C-407E-A947-70E740481C1C}">
+                  <a14:useLocalDpi xmlns:a14="http://schemas.microsoft.com/office/drawing/2010/main" val="0"/>
+                </a:ext>
+                <a:ext uri="{96DAC541-7B7A-43D3-8B79-37D633B846F1}">
+                  <asvg:svgBlip xmlns:asvg="http://schemas.microsoft.com/office/drawing/2016/SVG/main" r:embed="rId5"/>
+                </a:ext>
+              </a:extLst>
+            </a:blip>
+            <a:stretch>
+              <a:fillRect/>
+            </a:stretch>
+          </p:blipFill>
+          <p:spPr>
+            <a:xfrm>
+              <a:off x="7269987" y="2748280"/>
+              <a:ext cx="203200" cy="203200"/>
+            </a:xfrm>
+            <a:prstGeom prst="rect">
+              <a:avLst/>
+            </a:prstGeom>
+          </p:spPr>
+        </p:pic>
+      </p:grpSp>
+      <p:grpSp>
+        <p:nvGrpSpPr>
+          <p:cNvPr id="19" name="Agrupar 18">
+            <a:extLst>
+              <a:ext uri="{FF2B5EF4-FFF2-40B4-BE49-F238E27FC236}">
+                <a16:creationId xmlns:a16="http://schemas.microsoft.com/office/drawing/2014/main" id="{479188D6-45B0-5A60-7774-DA0331CA5E62}"/>
+              </a:ext>
+            </a:extLst>
+          </p:cNvPr>
+          <p:cNvGrpSpPr/>
+          <p:nvPr/>
+        </p:nvGrpSpPr>
+        <p:grpSpPr>
+          <a:xfrm>
+            <a:off x="7447280" y="1966992"/>
+            <a:ext cx="584200" cy="549644"/>
+            <a:chOff x="7447280" y="1966992"/>
+            <a:chExt cx="584200" cy="549644"/>
+          </a:xfrm>
+        </p:grpSpPr>
+        <p:sp>
+          <p:nvSpPr>
+            <p:cNvPr id="25" name="Elipse 24">
+              <a:extLst>
+                <a:ext uri="{FF2B5EF4-FFF2-40B4-BE49-F238E27FC236}">
+                  <a16:creationId xmlns:a16="http://schemas.microsoft.com/office/drawing/2014/main" id="{83968EF8-1D9B-787F-CC53-6EFDCDAC0ECD}"/>
+                </a:ext>
+              </a:extLst>
+            </p:cNvPr>
+            <p:cNvSpPr/>
+            <p:nvPr/>
+          </p:nvSpPr>
+          <p:spPr>
+            <a:xfrm>
+              <a:off x="7593265" y="2224405"/>
+              <a:ext cx="292231" cy="292231"/>
+            </a:xfrm>
+            <a:prstGeom prst="ellipse">
+              <a:avLst/>
+            </a:prstGeom>
+            <a:solidFill>
+              <a:schemeClr val="tx1"/>
+            </a:solidFill>
+            <a:ln w="12700">
+              <a:solidFill>
+                <a:schemeClr val="tx1"/>
+              </a:solidFill>
+            </a:ln>
+            <a:effectLst>
+              <a:outerShdw blurRad="50800" dist="38100" algn="l" rotWithShape="0">
+                <a:prstClr val="black">
+                  <a:alpha val="40000"/>
+                </a:prstClr>
+              </a:outerShdw>
+            </a:effectLst>
           </p:spPr>
           <p:style>
             <a:lnRef idx="2">
@@ -5994,70 +5979,41 @@
         </p:sp>
         <p:sp>
           <p:nvSpPr>
-            <p:cNvPr id="19" name="Elipse 18">
+            <p:cNvPr id="32" name="CaixaDeTexto 31">
               <a:extLst>
                 <a:ext uri="{FF2B5EF4-FFF2-40B4-BE49-F238E27FC236}">
-                  <a16:creationId xmlns:a16="http://schemas.microsoft.com/office/drawing/2014/main" id="{F34327AA-A256-5EC2-0D03-C510960D693B}"/>
+                  <a16:creationId xmlns:a16="http://schemas.microsoft.com/office/drawing/2014/main" id="{72BC3914-A5C7-6F59-D591-9DDC3BDCB97D}"/>
                 </a:ext>
               </a:extLst>
             </p:cNvPr>
-            <p:cNvSpPr/>
+            <p:cNvSpPr txBox="1"/>
             <p:nvPr/>
           </p:nvSpPr>
           <p:spPr>
             <a:xfrm>
-              <a:off x="4787402" y="2142109"/>
-              <a:ext cx="232654" cy="232654"/>
+              <a:off x="7447280" y="1966992"/>
+              <a:ext cx="584200" cy="230832"/>
             </a:xfrm>
-            <a:prstGeom prst="ellipse">
+            <a:prstGeom prst="rect">
               <a:avLst/>
             </a:prstGeom>
-            <a:solidFill>
-              <a:srgbClr val="FF0000"/>
-            </a:solidFill>
-            <a:ln w="28575">
-              <a:noFill/>
+            <a:noFill/>
+            <a:ln w="12700">
+              <a:solidFill>
+                <a:schemeClr val="tx1"/>
+              </a:solidFill>
             </a:ln>
-            <a:effectLst>
-              <a:glow rad="228600">
-                <a:srgbClr val="FF0000">
-                  <a:alpha val="40000"/>
-                </a:srgbClr>
-              </a:glow>
-              <a:outerShdw blurRad="50800" dist="38100" algn="l" rotWithShape="0">
-                <a:prstClr val="black">
-                  <a:alpha val="40000"/>
-                </a:prstClr>
-              </a:outerShdw>
-            </a:effectLst>
-            <a:scene3d>
-              <a:camera prst="obliqueBottomRight"/>
-              <a:lightRig rig="threePt" dir="t"/>
-            </a:scene3d>
-            <a:sp3d/>
           </p:spPr>
-          <p:style>
-            <a:lnRef idx="2">
-              <a:schemeClr val="accent1">
-                <a:shade val="15000"/>
-              </a:schemeClr>
-            </a:lnRef>
-            <a:fillRef idx="1">
-              <a:schemeClr val="accent1"/>
-            </a:fillRef>
-            <a:effectRef idx="0">
-              <a:schemeClr val="accent1"/>
-            </a:effectRef>
-            <a:fontRef idx="minor">
-              <a:schemeClr val="lt1"/>
-            </a:fontRef>
-          </p:style>
           <p:txBody>
-            <a:bodyPr rtlCol="0" anchor="ctr"/>
+            <a:bodyPr wrap="square" rtlCol="0">
+              <a:spAutoFit/>
+            </a:bodyPr>
             <a:lstStyle/>
             <a:p>
-              <a:pPr algn="ctr"/>
-              <a:endParaRPr lang="pt-BR" dirty="0"/>
+              <a:r>
+                <a:rPr lang="pt-BR" sz="900" b="1" dirty="0"/>
+                <a:t>ON/OFF</a:t>
+              </a:r>
             </a:p>
           </p:txBody>
         </p:sp>
@@ -6065,7 +6021,7 @@
     </p:spTree>
     <p:extLst>
       <p:ext uri="{BB962C8B-B14F-4D97-AF65-F5344CB8AC3E}">
-        <p14:creationId xmlns:p14="http://schemas.microsoft.com/office/powerpoint/2010/main" val="3456422176"/>
+        <p14:creationId xmlns:p14="http://schemas.microsoft.com/office/powerpoint/2010/main" val="2261147184"/>
       </p:ext>
     </p:extLst>
   </p:cSld>
